--- a/2DGP/2/2015182004 KimDaHye_2차발표.pptx
+++ b/2DGP/2/2015182004 KimDaHye_2차발표.pptx
@@ -12,7 +12,8 @@
     <p:sldId id="262" r:id="rId6"/>
     <p:sldId id="261" r:id="rId7"/>
     <p:sldId id="263" r:id="rId8"/>
-    <p:sldId id="264" r:id="rId9"/>
+    <p:sldId id="265" r:id="rId9"/>
+    <p:sldId id="264" r:id="rId10"/>
   </p:sldIdLst>
   <p:sldSz cx="9144000" cy="6858000" type="screen4x3"/>
   <p:notesSz cx="6858000" cy="9144000"/>
@@ -3369,8 +3370,8 @@
         </p:nvSpPr>
         <p:spPr>
           <a:xfrm>
-            <a:off x="4030439" y="3862223"/>
-            <a:ext cx="1782860" cy="523220"/>
+            <a:off x="4069332" y="4561964"/>
+            <a:ext cx="3488455" cy="523220"/>
           </a:xfrm>
           <a:prstGeom prst="rect">
             <a:avLst/>
@@ -3384,7 +3385,7 @@
           <a:lstStyle/>
           <a:p>
             <a:r>
-              <a:rPr lang="ko-KR" altLang="en-US" sz="2800" dirty="0" smtClean="0">
+              <a:rPr lang="en-US" altLang="ko-KR" sz="2800" dirty="0" smtClean="0">
                 <a:solidFill>
                   <a:schemeClr val="tx2">
                     <a:lumMod val="20000"/>
@@ -3394,7 +3395,7 @@
                 <a:latin typeface="한컴 소망 B" panose="02020603020101020101" pitchFamily="18" charset="-127"/>
                 <a:ea typeface="한컴 소망 B" panose="02020603020101020101" pitchFamily="18" charset="-127"/>
               </a:rPr>
-              <a:t>개발 일정</a:t>
+              <a:t>GitHub Commit</a:t>
             </a:r>
             <a:endParaRPr lang="ko-KR" altLang="en-US" sz="2800" dirty="0">
               <a:solidFill>
@@ -3417,8 +3418,8 @@
         </p:nvSpPr>
         <p:spPr>
           <a:xfrm>
-            <a:off x="3802848" y="1463893"/>
-            <a:ext cx="3888432" cy="3415734"/>
+            <a:off x="3802848" y="1463892"/>
+            <a:ext cx="3888432" cy="3909323"/>
           </a:xfrm>
           <a:prstGeom prst="roundRect">
             <a:avLst/>
@@ -3503,12 +3504,12 @@
               <a:t>게임프로그래밍 </a:t>
             </a:r>
             <a:r>
-              <a:rPr lang="en-US" altLang="ko-KR" dirty="0" smtClean="0">
-                <a:solidFill>
-                  <a:schemeClr val="bg1"/>
-                </a:solidFill>
-              </a:rPr>
-              <a:t>1</a:t>
+              <a:rPr lang="en-US" altLang="ko-KR" dirty="0">
+                <a:solidFill>
+                  <a:schemeClr val="bg1"/>
+                </a:solidFill>
+              </a:rPr>
+              <a:t>2</a:t>
             </a:r>
             <a:r>
               <a:rPr lang="ko-KR" altLang="en-US" dirty="0" err="1" smtClean="0">
@@ -3522,6 +3523,67 @@
               <a:solidFill>
                 <a:schemeClr val="bg1"/>
               </a:solidFill>
+            </a:endParaRPr>
+          </a:p>
+        </p:txBody>
+      </p:sp>
+      <p:sp>
+        <p:nvSpPr>
+          <p:cNvPr id="12" name="TextBox 11"/>
+          <p:cNvSpPr txBox="1"/>
+          <p:nvPr/>
+        </p:nvSpPr>
+        <p:spPr>
+          <a:xfrm>
+            <a:off x="4069332" y="3913892"/>
+            <a:ext cx="2662908" cy="523220"/>
+          </a:xfrm>
+          <a:prstGeom prst="rect">
+            <a:avLst/>
+          </a:prstGeom>
+          <a:noFill/>
+        </p:spPr>
+        <p:txBody>
+          <a:bodyPr wrap="none" rtlCol="0">
+            <a:spAutoFit/>
+          </a:bodyPr>
+          <a:lstStyle/>
+          <a:p>
+            <a:r>
+              <a:rPr lang="ko-KR" altLang="en-US" sz="2800" dirty="0" smtClean="0">
+                <a:solidFill>
+                  <a:schemeClr val="tx2">
+                    <a:lumMod val="20000"/>
+                    <a:lumOff val="80000"/>
+                  </a:schemeClr>
+                </a:solidFill>
+                <a:latin typeface="한컴 소망 B" panose="02020603020101020101" pitchFamily="18" charset="-127"/>
+                <a:ea typeface="한컴 소망 B" panose="02020603020101020101" pitchFamily="18" charset="-127"/>
+              </a:rPr>
+              <a:t>개발 </a:t>
+            </a:r>
+            <a:r>
+              <a:rPr lang="ko-KR" altLang="en-US" sz="2800" dirty="0" smtClean="0">
+                <a:solidFill>
+                  <a:schemeClr val="tx2">
+                    <a:lumMod val="20000"/>
+                    <a:lumOff val="80000"/>
+                  </a:schemeClr>
+                </a:solidFill>
+                <a:latin typeface="한컴 소망 B" panose="02020603020101020101" pitchFamily="18" charset="-127"/>
+                <a:ea typeface="한컴 소망 B" panose="02020603020101020101" pitchFamily="18" charset="-127"/>
+              </a:rPr>
+              <a:t>현재 상황</a:t>
+            </a:r>
+            <a:endParaRPr lang="ko-KR" altLang="en-US" sz="2800" dirty="0">
+              <a:solidFill>
+                <a:schemeClr val="tx2">
+                  <a:lumMod val="20000"/>
+                  <a:lumOff val="80000"/>
+                </a:schemeClr>
+              </a:solidFill>
+              <a:latin typeface="한컴 소망 B" panose="02020603020101020101" pitchFamily="18" charset="-127"/>
+              <a:ea typeface="한컴 소망 B" panose="02020603020101020101" pitchFamily="18" charset="-127"/>
             </a:endParaRPr>
           </a:p>
         </p:txBody>
@@ -3663,12 +3725,12 @@
               <a:t>게임프로그래밍 </a:t>
             </a:r>
             <a:r>
-              <a:rPr lang="en-US" altLang="ko-KR" dirty="0" smtClean="0">
-                <a:solidFill>
-                  <a:schemeClr val="bg1"/>
-                </a:solidFill>
-              </a:rPr>
-              <a:t>1</a:t>
+              <a:rPr lang="en-US" altLang="ko-KR" dirty="0">
+                <a:solidFill>
+                  <a:schemeClr val="bg1"/>
+                </a:solidFill>
+              </a:rPr>
+              <a:t>2</a:t>
             </a:r>
             <a:r>
               <a:rPr lang="ko-KR" altLang="en-US" dirty="0" err="1" smtClean="0">
@@ -3983,12 +4045,12 @@
               <a:t>게임프로그래밍 </a:t>
             </a:r>
             <a:r>
-              <a:rPr lang="en-US" altLang="ko-KR" dirty="0" smtClean="0">
-                <a:solidFill>
-                  <a:schemeClr val="bg1"/>
-                </a:solidFill>
-              </a:rPr>
-              <a:t>1</a:t>
+              <a:rPr lang="en-US" altLang="ko-KR" dirty="0">
+                <a:solidFill>
+                  <a:schemeClr val="bg1"/>
+                </a:solidFill>
+              </a:rPr>
+              <a:t>2</a:t>
             </a:r>
             <a:r>
               <a:rPr lang="ko-KR" altLang="en-US" dirty="0" err="1" smtClean="0">
@@ -5499,12 +5561,12 @@
               <a:t>게임프로그래밍 </a:t>
             </a:r>
             <a:r>
-              <a:rPr lang="en-US" altLang="ko-KR" dirty="0" smtClean="0">
-                <a:solidFill>
-                  <a:schemeClr val="bg1"/>
-                </a:solidFill>
-              </a:rPr>
-              <a:t>1</a:t>
+              <a:rPr lang="en-US" altLang="ko-KR" dirty="0">
+                <a:solidFill>
+                  <a:schemeClr val="bg1"/>
+                </a:solidFill>
+              </a:rPr>
+              <a:t>2</a:t>
             </a:r>
             <a:r>
               <a:rPr lang="ko-KR" altLang="en-US" dirty="0" err="1" smtClean="0">
@@ -5934,12 +5996,12 @@
               <a:t>게임프로그래밍 </a:t>
             </a:r>
             <a:r>
-              <a:rPr lang="en-US" altLang="ko-KR" dirty="0" smtClean="0">
-                <a:solidFill>
-                  <a:schemeClr val="bg1"/>
-                </a:solidFill>
-              </a:rPr>
-              <a:t>1</a:t>
+              <a:rPr lang="en-US" altLang="ko-KR" dirty="0">
+                <a:solidFill>
+                  <a:schemeClr val="bg1"/>
+                </a:solidFill>
+              </a:rPr>
+              <a:t>2</a:t>
             </a:r>
             <a:r>
               <a:rPr lang="ko-KR" altLang="en-US" dirty="0" err="1" smtClean="0">
@@ -6485,7 +6547,7 @@
         <p:spPr>
           <a:xfrm>
             <a:off x="395536" y="756007"/>
-            <a:ext cx="2520280" cy="707886"/>
+            <a:ext cx="4320480" cy="707886"/>
           </a:xfrm>
           <a:prstGeom prst="rect">
             <a:avLst/>
@@ -6509,7 +6571,20 @@
                 <a:latin typeface="한컴 소망 B" panose="02020603020101020101" pitchFamily="18" charset="-127"/>
                 <a:ea typeface="한컴 소망 B" panose="02020603020101020101" pitchFamily="18" charset="-127"/>
               </a:rPr>
-              <a:t>개발 일정</a:t>
+              <a:t>개발 </a:t>
+            </a:r>
+            <a:r>
+              <a:rPr lang="ko-KR" altLang="en-US" sz="4000" dirty="0" smtClean="0">
+                <a:solidFill>
+                  <a:schemeClr val="tx2">
+                    <a:lumMod val="60000"/>
+                    <a:lumOff val="40000"/>
+                  </a:schemeClr>
+                </a:solidFill>
+                <a:latin typeface="한컴 소망 B" panose="02020603020101020101" pitchFamily="18" charset="-127"/>
+                <a:ea typeface="한컴 소망 B" panose="02020603020101020101" pitchFamily="18" charset="-127"/>
+              </a:rPr>
+              <a:t>현재 상황</a:t>
             </a:r>
             <a:endParaRPr lang="ko-KR" altLang="en-US" sz="4000" dirty="0">
               <a:solidFill>
@@ -6563,12 +6638,12 @@
               <a:t>게임프로그래밍 </a:t>
             </a:r>
             <a:r>
-              <a:rPr lang="en-US" altLang="ko-KR" dirty="0" smtClean="0">
-                <a:solidFill>
-                  <a:schemeClr val="bg1"/>
-                </a:solidFill>
-              </a:rPr>
-              <a:t>1</a:t>
+              <a:rPr lang="en-US" altLang="ko-KR" dirty="0">
+                <a:solidFill>
+                  <a:schemeClr val="bg1"/>
+                </a:solidFill>
+              </a:rPr>
+              <a:t>2</a:t>
             </a:r>
             <a:r>
               <a:rPr lang="ko-KR" altLang="en-US" dirty="0" err="1" smtClean="0">
@@ -6594,8 +6669,8 @@
         </p:nvSpPr>
         <p:spPr>
           <a:xfrm>
-            <a:off x="1979712" y="1700809"/>
-            <a:ext cx="6624736" cy="5040559"/>
+            <a:off x="1115616" y="1700809"/>
+            <a:ext cx="3744416" cy="5040559"/>
           </a:xfrm>
           <a:prstGeom prst="roundRect">
             <a:avLst>
@@ -6637,8 +6712,8 @@
         </p:nvSpPr>
         <p:spPr>
           <a:xfrm>
-            <a:off x="539552" y="1700809"/>
-            <a:ext cx="1296144" cy="5040560"/>
+            <a:off x="179512" y="1700809"/>
+            <a:ext cx="720080" cy="5040560"/>
           </a:xfrm>
           <a:prstGeom prst="roundRect">
             <a:avLst/>
@@ -6678,7 +6753,7 @@
         </p:nvSpPr>
         <p:spPr>
           <a:xfrm>
-            <a:off x="539552" y="1916832"/>
+            <a:off x="-108520" y="1916832"/>
             <a:ext cx="1296144" cy="4770537"/>
           </a:xfrm>
           <a:prstGeom prst="rect">
@@ -7091,8 +7166,8 @@
         </p:nvSpPr>
         <p:spPr>
           <a:xfrm>
-            <a:off x="2013978" y="1909888"/>
-            <a:ext cx="6590470" cy="4770537"/>
+            <a:off x="1150209" y="1916832"/>
+            <a:ext cx="3709823" cy="4662815"/>
           </a:xfrm>
           <a:prstGeom prst="rect">
             <a:avLst/>
@@ -7106,7 +7181,7 @@
           <a:lstStyle/>
           <a:p>
             <a:r>
-              <a:rPr lang="ko-KR" altLang="en-US" sz="1600" dirty="0" smtClean="0">
+              <a:rPr lang="ko-KR" altLang="en-US" sz="1100" dirty="0" smtClean="0">
                 <a:solidFill>
                   <a:schemeClr val="bg1"/>
                 </a:solidFill>
@@ -7116,7 +7191,7 @@
               <a:t>리소스 수집</a:t>
             </a:r>
             <a:r>
-              <a:rPr lang="en-US" altLang="ko-KR" sz="1600" dirty="0" smtClean="0">
+              <a:rPr lang="en-US" altLang="ko-KR" sz="1100" dirty="0" smtClean="0">
                 <a:solidFill>
                   <a:schemeClr val="bg1"/>
                 </a:solidFill>
@@ -7126,7 +7201,7 @@
               <a:t>(</a:t>
             </a:r>
             <a:r>
-              <a:rPr lang="ko-KR" altLang="en-US" sz="1600" dirty="0" smtClean="0">
+              <a:rPr lang="ko-KR" altLang="en-US" sz="1100" dirty="0" smtClean="0">
                 <a:solidFill>
                   <a:schemeClr val="bg1"/>
                 </a:solidFill>
@@ -7136,7 +7211,7 @@
               <a:t>플레이어</a:t>
             </a:r>
             <a:r>
-              <a:rPr lang="en-US" altLang="ko-KR" sz="1600" dirty="0" smtClean="0">
+              <a:rPr lang="en-US" altLang="ko-KR" sz="1100" dirty="0" smtClean="0">
                 <a:solidFill>
                   <a:schemeClr val="bg1"/>
                 </a:solidFill>
@@ -7146,7 +7221,7 @@
               <a:t>, </a:t>
             </a:r>
             <a:r>
-              <a:rPr lang="ko-KR" altLang="en-US" sz="1600" dirty="0" err="1" smtClean="0">
+              <a:rPr lang="ko-KR" altLang="en-US" sz="1100" dirty="0" err="1" smtClean="0">
                 <a:solidFill>
                   <a:schemeClr val="bg1"/>
                 </a:solidFill>
@@ -7156,7 +7231,7 @@
               <a:t>몬스터</a:t>
             </a:r>
             <a:r>
-              <a:rPr lang="en-US" altLang="ko-KR" sz="1600" dirty="0" smtClean="0">
+              <a:rPr lang="en-US" altLang="ko-KR" sz="1100" dirty="0" smtClean="0">
                 <a:solidFill>
                   <a:schemeClr val="bg1"/>
                 </a:solidFill>
@@ -7166,7 +7241,7 @@
               <a:t>, </a:t>
             </a:r>
             <a:r>
-              <a:rPr lang="ko-KR" altLang="en-US" sz="1600" dirty="0" smtClean="0">
+              <a:rPr lang="ko-KR" altLang="en-US" sz="1100" dirty="0" smtClean="0">
                 <a:solidFill>
                   <a:schemeClr val="bg1"/>
                 </a:solidFill>
@@ -7176,7 +7251,7 @@
               <a:t>배경화면 등</a:t>
             </a:r>
             <a:r>
-              <a:rPr lang="en-US" altLang="ko-KR" sz="1600" dirty="0" smtClean="0">
+              <a:rPr lang="en-US" altLang="ko-KR" sz="1100" dirty="0" smtClean="0">
                 <a:solidFill>
                   <a:schemeClr val="bg1"/>
                 </a:solidFill>
@@ -7187,17 +7262,17 @@
             </a:r>
           </a:p>
           <a:p>
-            <a:endParaRPr lang="en-US" altLang="ko-KR" sz="1600" dirty="0" smtClean="0">
-              <a:solidFill>
-                <a:schemeClr val="bg1"/>
-              </a:solidFill>
-              <a:latin typeface="한컴 소망 B" panose="02020603020101020101" pitchFamily="18" charset="-127"/>
-              <a:ea typeface="한컴 소망 B" panose="02020603020101020101" pitchFamily="18" charset="-127"/>
-            </a:endParaRPr>
-          </a:p>
-          <a:p>
-            <a:r>
-              <a:rPr lang="ko-KR" altLang="en-US" sz="1600" dirty="0" err="1" smtClean="0">
+            <a:endParaRPr lang="en-US" altLang="ko-KR" sz="1100" dirty="0" smtClean="0">
+              <a:solidFill>
+                <a:schemeClr val="bg1"/>
+              </a:solidFill>
+              <a:latin typeface="한컴 소망 B" panose="02020603020101020101" pitchFamily="18" charset="-127"/>
+              <a:ea typeface="한컴 소망 B" panose="02020603020101020101" pitchFamily="18" charset="-127"/>
+            </a:endParaRPr>
+          </a:p>
+          <a:p>
+            <a:r>
+              <a:rPr lang="ko-KR" altLang="en-US" sz="1100" dirty="0" err="1" smtClean="0">
                 <a:solidFill>
                   <a:schemeClr val="bg1"/>
                 </a:solidFill>
@@ -7207,7 +7282,7 @@
               <a:t>맵</a:t>
             </a:r>
             <a:r>
-              <a:rPr lang="ko-KR" altLang="en-US" sz="1600" dirty="0" smtClean="0">
+              <a:rPr lang="ko-KR" altLang="en-US" sz="1100" dirty="0" smtClean="0">
                 <a:solidFill>
                   <a:schemeClr val="bg1"/>
                 </a:solidFill>
@@ -7217,7 +7292,7 @@
               <a:t> 구현</a:t>
             </a:r>
             <a:r>
-              <a:rPr lang="en-US" altLang="ko-KR" sz="1600" dirty="0" smtClean="0">
+              <a:rPr lang="en-US" altLang="ko-KR" sz="1100" dirty="0" smtClean="0">
                 <a:solidFill>
                   <a:schemeClr val="bg1"/>
                 </a:solidFill>
@@ -7227,7 +7302,7 @@
               <a:t>(3</a:t>
             </a:r>
             <a:r>
-              <a:rPr lang="ko-KR" altLang="en-US" sz="1600" dirty="0" smtClean="0">
+              <a:rPr lang="ko-KR" altLang="en-US" sz="1100" dirty="0" smtClean="0">
                 <a:solidFill>
                   <a:schemeClr val="bg1"/>
                 </a:solidFill>
@@ -7237,7 +7312,7 @@
               <a:t>개의 </a:t>
             </a:r>
             <a:r>
-              <a:rPr lang="ko-KR" altLang="en-US" sz="1600" dirty="0" err="1" smtClean="0">
+              <a:rPr lang="ko-KR" altLang="en-US" sz="1100" dirty="0" err="1" smtClean="0">
                 <a:solidFill>
                   <a:schemeClr val="bg1"/>
                 </a:solidFill>
@@ -7247,7 +7322,7 @@
               <a:t>몬스터</a:t>
             </a:r>
             <a:r>
-              <a:rPr lang="ko-KR" altLang="en-US" sz="1600" dirty="0" smtClean="0">
+              <a:rPr lang="ko-KR" altLang="en-US" sz="1100" dirty="0" smtClean="0">
                 <a:solidFill>
                   <a:schemeClr val="bg1"/>
                 </a:solidFill>
@@ -7257,7 +7332,7 @@
               <a:t> </a:t>
             </a:r>
             <a:r>
-              <a:rPr lang="ko-KR" altLang="en-US" sz="1600" dirty="0" err="1" smtClean="0">
+              <a:rPr lang="ko-KR" altLang="en-US" sz="1100" dirty="0" err="1" smtClean="0">
                 <a:solidFill>
                   <a:schemeClr val="bg1"/>
                 </a:solidFill>
@@ -7267,17 +7342,27 @@
               <a:t>맵의</a:t>
             </a:r>
             <a:r>
-              <a:rPr lang="ko-KR" altLang="en-US" sz="1600" dirty="0" smtClean="0">
-                <a:solidFill>
-                  <a:schemeClr val="bg1"/>
-                </a:solidFill>
-                <a:latin typeface="한컴 소망 B" panose="02020603020101020101" pitchFamily="18" charset="-127"/>
-                <a:ea typeface="한컴 소망 B" panose="02020603020101020101" pitchFamily="18" charset="-127"/>
-              </a:rPr>
-              <a:t> 블록의 좌표 설정</a:t>
-            </a:r>
-            <a:r>
-              <a:rPr lang="en-US" altLang="ko-KR" sz="1600" dirty="0" smtClean="0">
+              <a:rPr lang="ko-KR" altLang="en-US" sz="1100" dirty="0" smtClean="0">
+                <a:solidFill>
+                  <a:schemeClr val="bg1"/>
+                </a:solidFill>
+                <a:latin typeface="한컴 소망 B" panose="02020603020101020101" pitchFamily="18" charset="-127"/>
+                <a:ea typeface="한컴 소망 B" panose="02020603020101020101" pitchFamily="18" charset="-127"/>
+              </a:rPr>
+              <a:t> 블록의 좌표 </a:t>
+            </a:r>
+            <a:r>
+              <a:rPr lang="ko-KR" altLang="en-US" sz="1100" dirty="0" smtClean="0">
+                <a:solidFill>
+                  <a:schemeClr val="bg1"/>
+                </a:solidFill>
+                <a:latin typeface="한컴 소망 B" panose="02020603020101020101" pitchFamily="18" charset="-127"/>
+                <a:ea typeface="한컴 소망 B" panose="02020603020101020101" pitchFamily="18" charset="-127"/>
+              </a:rPr>
+              <a:t>설정</a:t>
+            </a:r>
+            <a:r>
+              <a:rPr lang="en-US" altLang="ko-KR" sz="1100" dirty="0" smtClean="0">
                 <a:solidFill>
                   <a:schemeClr val="bg1"/>
                 </a:solidFill>
@@ -7286,8 +7371,17 @@
               </a:rPr>
               <a:t>, </a:t>
             </a:r>
-            <a:r>
-              <a:rPr lang="ko-KR" altLang="en-US" sz="1600" dirty="0" err="1" smtClean="0">
+            <a:endParaRPr lang="en-US" altLang="ko-KR" sz="1100" dirty="0" smtClean="0">
+              <a:solidFill>
+                <a:schemeClr val="bg1"/>
+              </a:solidFill>
+              <a:latin typeface="한컴 소망 B" panose="02020603020101020101" pitchFamily="18" charset="-127"/>
+              <a:ea typeface="한컴 소망 B" panose="02020603020101020101" pitchFamily="18" charset="-127"/>
+            </a:endParaRPr>
+          </a:p>
+          <a:p>
+            <a:r>
+              <a:rPr lang="ko-KR" altLang="en-US" sz="1100" dirty="0" err="1" smtClean="0">
                 <a:solidFill>
                   <a:schemeClr val="bg1"/>
                 </a:solidFill>
@@ -7297,17 +7391,27 @@
               <a:t>맵</a:t>
             </a:r>
             <a:r>
-              <a:rPr lang="ko-KR" altLang="en-US" sz="1600" dirty="0" smtClean="0">
-                <a:solidFill>
-                  <a:schemeClr val="bg1"/>
-                </a:solidFill>
-                <a:latin typeface="한컴 소망 B" panose="02020603020101020101" pitchFamily="18" charset="-127"/>
-                <a:ea typeface="한컴 소망 B" panose="02020603020101020101" pitchFamily="18" charset="-127"/>
-              </a:rPr>
-              <a:t> 화면 구현</a:t>
-            </a:r>
-            <a:r>
-              <a:rPr lang="en-US" altLang="ko-KR" sz="1600" dirty="0" smtClean="0">
+              <a:rPr lang="ko-KR" altLang="en-US" sz="1100" dirty="0" smtClean="0">
+                <a:solidFill>
+                  <a:schemeClr val="bg1"/>
+                </a:solidFill>
+                <a:latin typeface="한컴 소망 B" panose="02020603020101020101" pitchFamily="18" charset="-127"/>
+                <a:ea typeface="한컴 소망 B" panose="02020603020101020101" pitchFamily="18" charset="-127"/>
+              </a:rPr>
+              <a:t> </a:t>
+            </a:r>
+            <a:r>
+              <a:rPr lang="ko-KR" altLang="en-US" sz="1100" dirty="0" smtClean="0">
+                <a:solidFill>
+                  <a:schemeClr val="bg1"/>
+                </a:solidFill>
+                <a:latin typeface="한컴 소망 B" panose="02020603020101020101" pitchFamily="18" charset="-127"/>
+                <a:ea typeface="한컴 소망 B" panose="02020603020101020101" pitchFamily="18" charset="-127"/>
+              </a:rPr>
+              <a:t>화면 구현</a:t>
+            </a:r>
+            <a:r>
+              <a:rPr lang="en-US" altLang="ko-KR" sz="1100" dirty="0" smtClean="0">
                 <a:solidFill>
                   <a:schemeClr val="bg1"/>
                 </a:solidFill>
@@ -7316,26 +7420,19 @@
               </a:rPr>
               <a:t>)</a:t>
             </a:r>
-            <a:br>
-              <a:rPr lang="en-US" altLang="ko-KR" sz="1600" dirty="0" smtClean="0">
-                <a:solidFill>
-                  <a:schemeClr val="bg1"/>
-                </a:solidFill>
-                <a:latin typeface="한컴 소망 B" panose="02020603020101020101" pitchFamily="18" charset="-127"/>
-                <a:ea typeface="한컴 소망 B" panose="02020603020101020101" pitchFamily="18" charset="-127"/>
-              </a:rPr>
-            </a:br>
-            <a:endParaRPr lang="en-US" altLang="ko-KR" sz="1600" dirty="0" smtClean="0">
-              <a:solidFill>
-                <a:schemeClr val="bg1"/>
-              </a:solidFill>
-              <a:latin typeface="한컴 소망 B" panose="02020603020101020101" pitchFamily="18" charset="-127"/>
-              <a:ea typeface="한컴 소망 B" panose="02020603020101020101" pitchFamily="18" charset="-127"/>
-            </a:endParaRPr>
-          </a:p>
-          <a:p>
-            <a:r>
-              <a:rPr lang="ko-KR" altLang="en-US" sz="1600" dirty="0" smtClean="0">
+          </a:p>
+          <a:p>
+            <a:endParaRPr lang="en-US" altLang="ko-KR" sz="1100" dirty="0" smtClean="0">
+              <a:solidFill>
+                <a:schemeClr val="bg1"/>
+              </a:solidFill>
+              <a:latin typeface="한컴 소망 B" panose="02020603020101020101" pitchFamily="18" charset="-127"/>
+              <a:ea typeface="한컴 소망 B" panose="02020603020101020101" pitchFamily="18" charset="-127"/>
+            </a:endParaRPr>
+          </a:p>
+          <a:p>
+            <a:r>
+              <a:rPr lang="ko-KR" altLang="en-US" sz="1100" dirty="0" smtClean="0">
                 <a:solidFill>
                   <a:schemeClr val="bg1"/>
                 </a:solidFill>
@@ -7345,7 +7442,7 @@
               <a:t>캐릭터 구현</a:t>
             </a:r>
             <a:r>
-              <a:rPr lang="en-US" altLang="ko-KR" sz="1600" dirty="0" smtClean="0">
+              <a:rPr lang="en-US" altLang="ko-KR" sz="1100" dirty="0" smtClean="0">
                 <a:solidFill>
                   <a:schemeClr val="bg1"/>
                 </a:solidFill>
@@ -7355,7 +7452,7 @@
               <a:t>(</a:t>
             </a:r>
             <a:r>
-              <a:rPr lang="ko-KR" altLang="en-US" sz="1600" dirty="0" smtClean="0">
+              <a:rPr lang="ko-KR" altLang="en-US" sz="1100" dirty="0" smtClean="0">
                 <a:solidFill>
                   <a:schemeClr val="bg1"/>
                 </a:solidFill>
@@ -7365,7 +7462,7 @@
               <a:t>캐릭</a:t>
             </a:r>
             <a:r>
-              <a:rPr lang="ko-KR" altLang="en-US" sz="1600" dirty="0">
+              <a:rPr lang="ko-KR" altLang="en-US" sz="1100" dirty="0">
                 <a:solidFill>
                   <a:schemeClr val="bg1"/>
                 </a:solidFill>
@@ -7375,17 +7472,27 @@
               <a:t>터</a:t>
             </a:r>
             <a:r>
-              <a:rPr lang="ko-KR" altLang="en-US" sz="1600" dirty="0" smtClean="0">
-                <a:solidFill>
-                  <a:schemeClr val="bg1"/>
-                </a:solidFill>
-                <a:latin typeface="한컴 소망 B" panose="02020603020101020101" pitchFamily="18" charset="-127"/>
-                <a:ea typeface="한컴 소망 B" panose="02020603020101020101" pitchFamily="18" charset="-127"/>
-              </a:rPr>
-              <a:t> 애니메이션 구현</a:t>
-            </a:r>
-            <a:r>
-              <a:rPr lang="en-US" altLang="ko-KR" sz="1600" dirty="0" smtClean="0">
+              <a:rPr lang="ko-KR" altLang="en-US" sz="1100" dirty="0" smtClean="0">
+                <a:solidFill>
+                  <a:schemeClr val="bg1"/>
+                </a:solidFill>
+                <a:latin typeface="한컴 소망 B" panose="02020603020101020101" pitchFamily="18" charset="-127"/>
+                <a:ea typeface="한컴 소망 B" panose="02020603020101020101" pitchFamily="18" charset="-127"/>
+              </a:rPr>
+              <a:t> </a:t>
+            </a:r>
+            <a:r>
+              <a:rPr lang="ko-KR" altLang="en-US" sz="1100" dirty="0" smtClean="0">
+                <a:solidFill>
+                  <a:schemeClr val="bg1"/>
+                </a:solidFill>
+                <a:latin typeface="한컴 소망 B" panose="02020603020101020101" pitchFamily="18" charset="-127"/>
+                <a:ea typeface="한컴 소망 B" panose="02020603020101020101" pitchFamily="18" charset="-127"/>
+              </a:rPr>
+              <a:t>애니메이션구현</a:t>
+            </a:r>
+            <a:r>
+              <a:rPr lang="en-US" altLang="ko-KR" sz="1100" dirty="0" smtClean="0">
                 <a:solidFill>
                   <a:schemeClr val="bg1"/>
                 </a:solidFill>
@@ -7394,18 +7501,37 @@
               </a:rPr>
               <a:t>, </a:t>
             </a:r>
-            <a:r>
-              <a:rPr lang="ko-KR" altLang="en-US" sz="1600" dirty="0" smtClean="0">
-                <a:solidFill>
-                  <a:schemeClr val="bg1"/>
-                </a:solidFill>
-                <a:latin typeface="한컴 소망 B" panose="02020603020101020101" pitchFamily="18" charset="-127"/>
-                <a:ea typeface="한컴 소망 B" panose="02020603020101020101" pitchFamily="18" charset="-127"/>
-              </a:rPr>
-              <a:t>캐릭터 기술 구현</a:t>
-            </a:r>
-            <a:r>
-              <a:rPr lang="en-US" altLang="ko-KR" sz="1600" dirty="0" smtClean="0">
+            <a:endParaRPr lang="en-US" altLang="ko-KR" sz="1100" dirty="0" smtClean="0">
+              <a:solidFill>
+                <a:schemeClr val="bg1"/>
+              </a:solidFill>
+              <a:latin typeface="한컴 소망 B" panose="02020603020101020101" pitchFamily="18" charset="-127"/>
+              <a:ea typeface="한컴 소망 B" panose="02020603020101020101" pitchFamily="18" charset="-127"/>
+            </a:endParaRPr>
+          </a:p>
+          <a:p>
+            <a:r>
+              <a:rPr lang="ko-KR" altLang="en-US" sz="1100" dirty="0" smtClean="0">
+                <a:solidFill>
+                  <a:schemeClr val="bg1"/>
+                </a:solidFill>
+                <a:latin typeface="한컴 소망 B" panose="02020603020101020101" pitchFamily="18" charset="-127"/>
+                <a:ea typeface="한컴 소망 B" panose="02020603020101020101" pitchFamily="18" charset="-127"/>
+              </a:rPr>
+              <a:t>캐릭터 </a:t>
+            </a:r>
+            <a:r>
+              <a:rPr lang="ko-KR" altLang="en-US" sz="1100" dirty="0" smtClean="0">
+                <a:solidFill>
+                  <a:schemeClr val="bg1"/>
+                </a:solidFill>
+                <a:latin typeface="한컴 소망 B" panose="02020603020101020101" pitchFamily="18" charset="-127"/>
+                <a:ea typeface="한컴 소망 B" panose="02020603020101020101" pitchFamily="18" charset="-127"/>
+              </a:rPr>
+              <a:t>기술 구현</a:t>
+            </a:r>
+            <a:r>
+              <a:rPr lang="en-US" altLang="ko-KR" sz="1100" dirty="0" smtClean="0">
                 <a:solidFill>
                   <a:schemeClr val="bg1"/>
                 </a:solidFill>
@@ -7415,7 +7541,7 @@
               <a:t>,</a:t>
             </a:r>
             <a:r>
-              <a:rPr lang="ko-KR" altLang="en-US" sz="1600" dirty="0">
+              <a:rPr lang="ko-KR" altLang="en-US" sz="1100" dirty="0">
                 <a:solidFill>
                   <a:schemeClr val="bg1"/>
                 </a:solidFill>
@@ -7424,17 +7550,40 @@
               </a:rPr>
               <a:t> </a:t>
             </a:r>
-            <a:endParaRPr lang="en-US" altLang="ko-KR" sz="1600" dirty="0" smtClean="0">
-              <a:solidFill>
-                <a:schemeClr val="bg1"/>
-              </a:solidFill>
-              <a:latin typeface="한컴 소망 B" panose="02020603020101020101" pitchFamily="18" charset="-127"/>
-              <a:ea typeface="한컴 소망 B" panose="02020603020101020101" pitchFamily="18" charset="-127"/>
-            </a:endParaRPr>
-          </a:p>
-          <a:p>
-            <a:r>
-              <a:rPr lang="en-US" altLang="ko-KR" sz="1600" dirty="0">
+            <a:r>
+              <a:rPr lang="ko-KR" altLang="en-US" sz="1100" dirty="0" smtClean="0">
+                <a:solidFill>
+                  <a:schemeClr val="bg1"/>
+                </a:solidFill>
+                <a:latin typeface="한컴 소망 B" panose="02020603020101020101" pitchFamily="18" charset="-127"/>
+                <a:ea typeface="한컴 소망 B" panose="02020603020101020101" pitchFamily="18" charset="-127"/>
+              </a:rPr>
+              <a:t>캐릭터 </a:t>
+            </a:r>
+            <a:r>
+              <a:rPr lang="ko-KR" altLang="en-US" sz="1100" dirty="0" smtClean="0">
+                <a:solidFill>
+                  <a:schemeClr val="bg1"/>
+                </a:solidFill>
+                <a:latin typeface="한컴 소망 B" panose="02020603020101020101" pitchFamily="18" charset="-127"/>
+                <a:ea typeface="한컴 소망 B" panose="02020603020101020101" pitchFamily="18" charset="-127"/>
+              </a:rPr>
+              <a:t>컨트롤 구현</a:t>
+            </a:r>
+            <a:r>
+              <a:rPr lang="en-US" altLang="ko-KR" sz="1100" dirty="0" smtClean="0">
+                <a:solidFill>
+                  <a:schemeClr val="bg1"/>
+                </a:solidFill>
+                <a:latin typeface="한컴 소망 B" panose="02020603020101020101" pitchFamily="18" charset="-127"/>
+                <a:ea typeface="한컴 소망 B" panose="02020603020101020101" pitchFamily="18" charset="-127"/>
+              </a:rPr>
+              <a:t>)</a:t>
+            </a:r>
+          </a:p>
+          <a:p>
+            <a:r>
+              <a:rPr lang="en-US" altLang="ko-KR" sz="1100" dirty="0">
                 <a:solidFill>
                   <a:schemeClr val="bg1"/>
                 </a:solidFill>
@@ -7443,28 +7592,166 @@
               </a:rPr>
               <a:t> </a:t>
             </a:r>
-            <a:r>
-              <a:rPr lang="en-US" altLang="ko-KR" sz="1600" dirty="0" smtClean="0">
-                <a:solidFill>
-                  <a:schemeClr val="bg1"/>
-                </a:solidFill>
-                <a:latin typeface="한컴 소망 B" panose="02020603020101020101" pitchFamily="18" charset="-127"/>
-                <a:ea typeface="한컴 소망 B" panose="02020603020101020101" pitchFamily="18" charset="-127"/>
-              </a:rPr>
-              <a:t>            </a:t>
-            </a:r>
-            <a:r>
-              <a:rPr lang="ko-KR" altLang="en-US" sz="1600" dirty="0" smtClean="0">
-                <a:solidFill>
-                  <a:schemeClr val="bg1"/>
-                </a:solidFill>
-                <a:latin typeface="한컴 소망 B" panose="02020603020101020101" pitchFamily="18" charset="-127"/>
-                <a:ea typeface="한컴 소망 B" panose="02020603020101020101" pitchFamily="18" charset="-127"/>
-              </a:rPr>
-              <a:t>캐릭터 컨트롤 구현</a:t>
-            </a:r>
-            <a:r>
-              <a:rPr lang="en-US" altLang="ko-KR" sz="1600" dirty="0" smtClean="0">
+            <a:endParaRPr lang="en-US" altLang="ko-KR" sz="1100" dirty="0" smtClean="0">
+              <a:solidFill>
+                <a:schemeClr val="bg1"/>
+              </a:solidFill>
+              <a:latin typeface="한컴 소망 B" panose="02020603020101020101" pitchFamily="18" charset="-127"/>
+              <a:ea typeface="한컴 소망 B" panose="02020603020101020101" pitchFamily="18" charset="-127"/>
+            </a:endParaRPr>
+          </a:p>
+          <a:p>
+            <a:r>
+              <a:rPr lang="ko-KR" altLang="en-US" sz="1100" dirty="0" err="1" smtClean="0">
+                <a:solidFill>
+                  <a:schemeClr val="bg1"/>
+                </a:solidFill>
+                <a:latin typeface="한컴 소망 B" panose="02020603020101020101" pitchFamily="18" charset="-127"/>
+                <a:ea typeface="한컴 소망 B" panose="02020603020101020101" pitchFamily="18" charset="-127"/>
+              </a:rPr>
+              <a:t>몬스터</a:t>
+            </a:r>
+            <a:r>
+              <a:rPr lang="ko-KR" altLang="en-US" sz="1100" dirty="0" smtClean="0">
+                <a:solidFill>
+                  <a:schemeClr val="bg1"/>
+                </a:solidFill>
+                <a:latin typeface="한컴 소망 B" panose="02020603020101020101" pitchFamily="18" charset="-127"/>
+                <a:ea typeface="한컴 소망 B" panose="02020603020101020101" pitchFamily="18" charset="-127"/>
+              </a:rPr>
+              <a:t> 구현</a:t>
+            </a:r>
+            <a:r>
+              <a:rPr lang="en-US" altLang="ko-KR" sz="1100" dirty="0" smtClean="0">
+                <a:solidFill>
+                  <a:schemeClr val="bg1"/>
+                </a:solidFill>
+                <a:latin typeface="한컴 소망 B" panose="02020603020101020101" pitchFamily="18" charset="-127"/>
+                <a:ea typeface="한컴 소망 B" panose="02020603020101020101" pitchFamily="18" charset="-127"/>
+              </a:rPr>
+              <a:t>(</a:t>
+            </a:r>
+            <a:r>
+              <a:rPr lang="ko-KR" altLang="en-US" sz="1100" dirty="0" err="1" smtClean="0">
+                <a:solidFill>
+                  <a:schemeClr val="bg1"/>
+                </a:solidFill>
+                <a:latin typeface="한컴 소망 B" panose="02020603020101020101" pitchFamily="18" charset="-127"/>
+                <a:ea typeface="한컴 소망 B" panose="02020603020101020101" pitchFamily="18" charset="-127"/>
+              </a:rPr>
+              <a:t>몬스터</a:t>
+            </a:r>
+            <a:r>
+              <a:rPr lang="ko-KR" altLang="en-US" sz="1100" dirty="0" smtClean="0">
+                <a:solidFill>
+                  <a:schemeClr val="bg1"/>
+                </a:solidFill>
+                <a:latin typeface="한컴 소망 B" panose="02020603020101020101" pitchFamily="18" charset="-127"/>
+                <a:ea typeface="한컴 소망 B" panose="02020603020101020101" pitchFamily="18" charset="-127"/>
+              </a:rPr>
+              <a:t> 마다 범위 지정</a:t>
+            </a:r>
+            <a:r>
+              <a:rPr lang="en-US" altLang="ko-KR" sz="1100" dirty="0" smtClean="0">
+                <a:solidFill>
+                  <a:schemeClr val="bg1"/>
+                </a:solidFill>
+                <a:latin typeface="한컴 소망 B" panose="02020603020101020101" pitchFamily="18" charset="-127"/>
+                <a:ea typeface="한컴 소망 B" panose="02020603020101020101" pitchFamily="18" charset="-127"/>
+              </a:rPr>
+              <a:t>, </a:t>
+            </a:r>
+            <a:endParaRPr lang="en-US" altLang="ko-KR" sz="1100" dirty="0" smtClean="0">
+              <a:solidFill>
+                <a:schemeClr val="bg1"/>
+              </a:solidFill>
+              <a:latin typeface="한컴 소망 B" panose="02020603020101020101" pitchFamily="18" charset="-127"/>
+              <a:ea typeface="한컴 소망 B" panose="02020603020101020101" pitchFamily="18" charset="-127"/>
+            </a:endParaRPr>
+          </a:p>
+          <a:p>
+            <a:r>
+              <a:rPr lang="ko-KR" altLang="en-US" sz="1100" dirty="0" err="1" smtClean="0">
+                <a:solidFill>
+                  <a:schemeClr val="bg1"/>
+                </a:solidFill>
+                <a:latin typeface="한컴 소망 B" panose="02020603020101020101" pitchFamily="18" charset="-127"/>
+                <a:ea typeface="한컴 소망 B" panose="02020603020101020101" pitchFamily="18" charset="-127"/>
+              </a:rPr>
+              <a:t>맵에</a:t>
+            </a:r>
+            <a:r>
+              <a:rPr lang="ko-KR" altLang="en-US" sz="1100" dirty="0" smtClean="0">
+                <a:solidFill>
+                  <a:schemeClr val="bg1"/>
+                </a:solidFill>
+                <a:latin typeface="한컴 소망 B" panose="02020603020101020101" pitchFamily="18" charset="-127"/>
+                <a:ea typeface="한컴 소망 B" panose="02020603020101020101" pitchFamily="18" charset="-127"/>
+              </a:rPr>
+              <a:t> 나올 </a:t>
+            </a:r>
+            <a:r>
+              <a:rPr lang="ko-KR" altLang="en-US" sz="1100" dirty="0" err="1" smtClean="0">
+                <a:solidFill>
+                  <a:schemeClr val="bg1"/>
+                </a:solidFill>
+                <a:latin typeface="한컴 소망 B" panose="02020603020101020101" pitchFamily="18" charset="-127"/>
+                <a:ea typeface="한컴 소망 B" panose="02020603020101020101" pitchFamily="18" charset="-127"/>
+              </a:rPr>
+              <a:t>몬스터</a:t>
+            </a:r>
+            <a:r>
+              <a:rPr lang="ko-KR" altLang="en-US" sz="1100" dirty="0" smtClean="0">
+                <a:solidFill>
+                  <a:schemeClr val="bg1"/>
+                </a:solidFill>
+                <a:latin typeface="한컴 소망 B" panose="02020603020101020101" pitchFamily="18" charset="-127"/>
+                <a:ea typeface="한컴 소망 B" panose="02020603020101020101" pitchFamily="18" charset="-127"/>
+              </a:rPr>
+              <a:t> 수 지정</a:t>
+            </a:r>
+            <a:r>
+              <a:rPr lang="en-US" altLang="ko-KR" sz="1100" dirty="0" smtClean="0">
+                <a:solidFill>
+                  <a:schemeClr val="bg1"/>
+                </a:solidFill>
+                <a:latin typeface="한컴 소망 B" panose="02020603020101020101" pitchFamily="18" charset="-127"/>
+                <a:ea typeface="한컴 소망 B" panose="02020603020101020101" pitchFamily="18" charset="-127"/>
+              </a:rPr>
+              <a:t>, </a:t>
+            </a:r>
+            <a:r>
+              <a:rPr lang="ko-KR" altLang="en-US" sz="1100" dirty="0" err="1" smtClean="0">
+                <a:solidFill>
+                  <a:schemeClr val="bg1"/>
+                </a:solidFill>
+                <a:latin typeface="한컴 소망 B" panose="02020603020101020101" pitchFamily="18" charset="-127"/>
+                <a:ea typeface="한컴 소망 B" panose="02020603020101020101" pitchFamily="18" charset="-127"/>
+              </a:rPr>
+              <a:t>몬스터</a:t>
+            </a:r>
+            <a:r>
+              <a:rPr lang="ko-KR" altLang="en-US" sz="1100" dirty="0" smtClean="0">
+                <a:solidFill>
+                  <a:schemeClr val="bg1"/>
+                </a:solidFill>
+                <a:latin typeface="한컴 소망 B" panose="02020603020101020101" pitchFamily="18" charset="-127"/>
+                <a:ea typeface="한컴 소망 B" panose="02020603020101020101" pitchFamily="18" charset="-127"/>
+              </a:rPr>
+              <a:t>  </a:t>
+            </a:r>
+            <a:r>
+              <a:rPr lang="ko-KR" altLang="en-US" sz="1100" dirty="0" smtClean="0">
+                <a:solidFill>
+                  <a:schemeClr val="bg1"/>
+                </a:solidFill>
+                <a:latin typeface="한컴 소망 B" panose="02020603020101020101" pitchFamily="18" charset="-127"/>
+                <a:ea typeface="한컴 소망 B" panose="02020603020101020101" pitchFamily="18" charset="-127"/>
+              </a:rPr>
+              <a:t>애니메이션 구현</a:t>
+            </a:r>
+            <a:r>
+              <a:rPr lang="en-US" altLang="ko-KR" sz="1100" dirty="0" smtClean="0">
                 <a:solidFill>
                   <a:schemeClr val="bg1"/>
                 </a:solidFill>
@@ -7473,10 +7760,56 @@
               </a:rPr>
               <a:t>)</a:t>
             </a:r>
-          </a:p>
-          <a:p>
-            <a:r>
-              <a:rPr lang="ko-KR" altLang="en-US" sz="1600" dirty="0" err="1" smtClean="0">
+            <a:endParaRPr lang="en-US" altLang="ko-KR" sz="1100" dirty="0">
+              <a:solidFill>
+                <a:schemeClr val="bg1"/>
+              </a:solidFill>
+              <a:latin typeface="한컴 소망 B" panose="02020603020101020101" pitchFamily="18" charset="-127"/>
+              <a:ea typeface="한컴 소망 B" panose="02020603020101020101" pitchFamily="18" charset="-127"/>
+            </a:endParaRPr>
+          </a:p>
+          <a:p>
+            <a:endParaRPr lang="en-US" altLang="ko-KR" sz="1100" dirty="0" smtClean="0">
+              <a:solidFill>
+                <a:schemeClr val="bg1"/>
+              </a:solidFill>
+              <a:latin typeface="한컴 소망 B" panose="02020603020101020101" pitchFamily="18" charset="-127"/>
+              <a:ea typeface="한컴 소망 B" panose="02020603020101020101" pitchFamily="18" charset="-127"/>
+            </a:endParaRPr>
+          </a:p>
+          <a:p>
+            <a:r>
+              <a:rPr lang="ko-KR" altLang="en-US" sz="1100" dirty="0" smtClean="0">
+                <a:solidFill>
+                  <a:schemeClr val="bg1"/>
+                </a:solidFill>
+                <a:latin typeface="한컴 소망 B" panose="02020603020101020101" pitchFamily="18" charset="-127"/>
+                <a:ea typeface="한컴 소망 B" panose="02020603020101020101" pitchFamily="18" charset="-127"/>
+              </a:rPr>
+              <a:t>충돌 처리</a:t>
+            </a:r>
+            <a:r>
+              <a:rPr lang="en-US" altLang="ko-KR" sz="1100" dirty="0" smtClean="0">
+                <a:solidFill>
+                  <a:schemeClr val="bg1"/>
+                </a:solidFill>
+                <a:latin typeface="한컴 소망 B" panose="02020603020101020101" pitchFamily="18" charset="-127"/>
+                <a:ea typeface="한컴 소망 B" panose="02020603020101020101" pitchFamily="18" charset="-127"/>
+              </a:rPr>
+              <a:t>(</a:t>
+            </a:r>
+            <a:r>
+              <a:rPr lang="ko-KR" altLang="en-US" sz="1100" dirty="0" smtClean="0">
+                <a:solidFill>
+                  <a:schemeClr val="bg1"/>
+                </a:solidFill>
+                <a:latin typeface="한컴 소망 B" panose="02020603020101020101" pitchFamily="18" charset="-127"/>
+                <a:ea typeface="한컴 소망 B" panose="02020603020101020101" pitchFamily="18" charset="-127"/>
+              </a:rPr>
+              <a:t>물방울과 </a:t>
+            </a:r>
+            <a:r>
+              <a:rPr lang="ko-KR" altLang="en-US" sz="1100" dirty="0" err="1" smtClean="0">
                 <a:solidFill>
                   <a:schemeClr val="bg1"/>
                 </a:solidFill>
@@ -7486,17 +7819,317 @@
               <a:t>몬스터</a:t>
             </a:r>
             <a:r>
-              <a:rPr lang="ko-KR" altLang="en-US" sz="1600" dirty="0" smtClean="0">
-                <a:solidFill>
-                  <a:schemeClr val="bg1"/>
-                </a:solidFill>
-                <a:latin typeface="한컴 소망 B" panose="02020603020101020101" pitchFamily="18" charset="-127"/>
-                <a:ea typeface="한컴 소망 B" panose="02020603020101020101" pitchFamily="18" charset="-127"/>
-              </a:rPr>
-              <a:t> 구현</a:t>
-            </a:r>
-            <a:r>
-              <a:rPr lang="en-US" altLang="ko-KR" sz="1600" dirty="0" smtClean="0">
+              <a:rPr lang="ko-KR" altLang="en-US" sz="1100" dirty="0" smtClean="0">
+                <a:solidFill>
+                  <a:schemeClr val="bg1"/>
+                </a:solidFill>
+                <a:latin typeface="한컴 소망 B" panose="02020603020101020101" pitchFamily="18" charset="-127"/>
+                <a:ea typeface="한컴 소망 B" panose="02020603020101020101" pitchFamily="18" charset="-127"/>
+              </a:rPr>
+              <a:t> 충돌</a:t>
+            </a:r>
+            <a:r>
+              <a:rPr lang="en-US" altLang="ko-KR" sz="1100" dirty="0" smtClean="0">
+                <a:solidFill>
+                  <a:schemeClr val="bg1"/>
+                </a:solidFill>
+                <a:latin typeface="한컴 소망 B" panose="02020603020101020101" pitchFamily="18" charset="-127"/>
+                <a:ea typeface="한컴 소망 B" panose="02020603020101020101" pitchFamily="18" charset="-127"/>
+              </a:rPr>
+              <a:t>, </a:t>
+            </a:r>
+            <a:r>
+              <a:rPr lang="ko-KR" altLang="en-US" sz="1100" dirty="0" err="1" smtClean="0">
+                <a:solidFill>
+                  <a:schemeClr val="bg1"/>
+                </a:solidFill>
+                <a:latin typeface="한컴 소망 B" panose="02020603020101020101" pitchFamily="18" charset="-127"/>
+                <a:ea typeface="한컴 소망 B" panose="02020603020101020101" pitchFamily="18" charset="-127"/>
+              </a:rPr>
+              <a:t>몬스터와</a:t>
+            </a:r>
+            <a:r>
+              <a:rPr lang="ko-KR" altLang="en-US" sz="1100" dirty="0" smtClean="0">
+                <a:solidFill>
+                  <a:schemeClr val="bg1"/>
+                </a:solidFill>
+                <a:latin typeface="한컴 소망 B" panose="02020603020101020101" pitchFamily="18" charset="-127"/>
+                <a:ea typeface="한컴 소망 B" panose="02020603020101020101" pitchFamily="18" charset="-127"/>
+              </a:rPr>
+              <a:t> </a:t>
+            </a:r>
+            <a:endParaRPr lang="en-US" altLang="ko-KR" sz="1100" dirty="0" smtClean="0">
+              <a:solidFill>
+                <a:schemeClr val="bg1"/>
+              </a:solidFill>
+              <a:latin typeface="한컴 소망 B" panose="02020603020101020101" pitchFamily="18" charset="-127"/>
+              <a:ea typeface="한컴 소망 B" panose="02020603020101020101" pitchFamily="18" charset="-127"/>
+            </a:endParaRPr>
+          </a:p>
+          <a:p>
+            <a:r>
+              <a:rPr lang="ko-KR" altLang="en-US" sz="1100" dirty="0" smtClean="0">
+                <a:solidFill>
+                  <a:schemeClr val="bg1"/>
+                </a:solidFill>
+                <a:latin typeface="한컴 소망 B" panose="02020603020101020101" pitchFamily="18" charset="-127"/>
+                <a:ea typeface="한컴 소망 B" panose="02020603020101020101" pitchFamily="18" charset="-127"/>
+              </a:rPr>
+              <a:t>캐릭터 </a:t>
+            </a:r>
+            <a:r>
+              <a:rPr lang="ko-KR" altLang="en-US" sz="1100" dirty="0" smtClean="0">
+                <a:solidFill>
+                  <a:schemeClr val="bg1"/>
+                </a:solidFill>
+                <a:latin typeface="한컴 소망 B" panose="02020603020101020101" pitchFamily="18" charset="-127"/>
+                <a:ea typeface="한컴 소망 B" panose="02020603020101020101" pitchFamily="18" charset="-127"/>
+              </a:rPr>
+              <a:t>충돌</a:t>
+            </a:r>
+            <a:r>
+              <a:rPr lang="en-US" altLang="ko-KR" sz="1100" dirty="0" smtClean="0">
+                <a:solidFill>
+                  <a:schemeClr val="bg1"/>
+                </a:solidFill>
+                <a:latin typeface="한컴 소망 B" panose="02020603020101020101" pitchFamily="18" charset="-127"/>
+                <a:ea typeface="한컴 소망 B" panose="02020603020101020101" pitchFamily="18" charset="-127"/>
+              </a:rPr>
+              <a:t>, </a:t>
+            </a:r>
+            <a:r>
+              <a:rPr lang="ko-KR" altLang="en-US" sz="1100" dirty="0" smtClean="0">
+                <a:solidFill>
+                  <a:schemeClr val="bg1"/>
+                </a:solidFill>
+                <a:latin typeface="한컴 소망 B" panose="02020603020101020101" pitchFamily="18" charset="-127"/>
+                <a:ea typeface="한컴 소망 B" panose="02020603020101020101" pitchFamily="18" charset="-127"/>
+              </a:rPr>
+              <a:t>캐릭터 </a:t>
+            </a:r>
+            <a:r>
+              <a:rPr lang="ko-KR" altLang="en-US" sz="1100" dirty="0" smtClean="0">
+                <a:solidFill>
+                  <a:schemeClr val="bg1"/>
+                </a:solidFill>
+                <a:latin typeface="한컴 소망 B" panose="02020603020101020101" pitchFamily="18" charset="-127"/>
+                <a:ea typeface="한컴 소망 B" panose="02020603020101020101" pitchFamily="18" charset="-127"/>
+              </a:rPr>
+              <a:t>및 </a:t>
+            </a:r>
+            <a:r>
+              <a:rPr lang="ko-KR" altLang="en-US" sz="1100" dirty="0" err="1" smtClean="0">
+                <a:solidFill>
+                  <a:schemeClr val="bg1"/>
+                </a:solidFill>
+                <a:latin typeface="한컴 소망 B" panose="02020603020101020101" pitchFamily="18" charset="-127"/>
+                <a:ea typeface="한컴 소망 B" panose="02020603020101020101" pitchFamily="18" charset="-127"/>
+              </a:rPr>
+              <a:t>몬스터와</a:t>
+            </a:r>
+            <a:r>
+              <a:rPr lang="ko-KR" altLang="en-US" sz="1100" dirty="0" smtClean="0">
+                <a:solidFill>
+                  <a:schemeClr val="bg1"/>
+                </a:solidFill>
+                <a:latin typeface="한컴 소망 B" panose="02020603020101020101" pitchFamily="18" charset="-127"/>
+                <a:ea typeface="한컴 소망 B" panose="02020603020101020101" pitchFamily="18" charset="-127"/>
+              </a:rPr>
+              <a:t> 블록 충돌</a:t>
+            </a:r>
+            <a:r>
+              <a:rPr lang="en-US" altLang="ko-KR" sz="1100" dirty="0" smtClean="0">
+                <a:solidFill>
+                  <a:schemeClr val="bg1"/>
+                </a:solidFill>
+                <a:latin typeface="한컴 소망 B" panose="02020603020101020101" pitchFamily="18" charset="-127"/>
+                <a:ea typeface="한컴 소망 B" panose="02020603020101020101" pitchFamily="18" charset="-127"/>
+              </a:rPr>
+              <a:t>)</a:t>
+            </a:r>
+          </a:p>
+          <a:p>
+            <a:endParaRPr lang="en-US" altLang="ko-KR" sz="1100" dirty="0" smtClean="0">
+              <a:solidFill>
+                <a:schemeClr val="bg1"/>
+              </a:solidFill>
+              <a:latin typeface="한컴 소망 B" panose="02020603020101020101" pitchFamily="18" charset="-127"/>
+              <a:ea typeface="한컴 소망 B" panose="02020603020101020101" pitchFamily="18" charset="-127"/>
+            </a:endParaRPr>
+          </a:p>
+          <a:p>
+            <a:endParaRPr lang="en-US" altLang="ko-KR" sz="1100" dirty="0" smtClean="0">
+              <a:solidFill>
+                <a:schemeClr val="bg1"/>
+              </a:solidFill>
+              <a:latin typeface="한컴 소망 B" panose="02020603020101020101" pitchFamily="18" charset="-127"/>
+              <a:ea typeface="한컴 소망 B" panose="02020603020101020101" pitchFamily="18" charset="-127"/>
+            </a:endParaRPr>
+          </a:p>
+          <a:p>
+            <a:r>
+              <a:rPr lang="ko-KR" altLang="en-US" sz="1100" dirty="0" smtClean="0">
+                <a:solidFill>
+                  <a:schemeClr val="bg1"/>
+                </a:solidFill>
+                <a:latin typeface="한컴 소망 B" panose="02020603020101020101" pitchFamily="18" charset="-127"/>
+                <a:ea typeface="한컴 소망 B" panose="02020603020101020101" pitchFamily="18" charset="-127"/>
+              </a:rPr>
+              <a:t>중간 점검</a:t>
+            </a:r>
+            <a:r>
+              <a:rPr lang="en-US" altLang="ko-KR" sz="1100" dirty="0" smtClean="0">
+                <a:solidFill>
+                  <a:schemeClr val="bg1"/>
+                </a:solidFill>
+                <a:latin typeface="한컴 소망 B" panose="02020603020101020101" pitchFamily="18" charset="-127"/>
+                <a:ea typeface="한컴 소망 B" panose="02020603020101020101" pitchFamily="18" charset="-127"/>
+              </a:rPr>
+              <a:t>(1~5</a:t>
+            </a:r>
+            <a:r>
+              <a:rPr lang="ko-KR" altLang="en-US" sz="1100" dirty="0" smtClean="0">
+                <a:solidFill>
+                  <a:schemeClr val="bg1"/>
+                </a:solidFill>
+                <a:latin typeface="한컴 소망 B" panose="02020603020101020101" pitchFamily="18" charset="-127"/>
+                <a:ea typeface="한컴 소망 B" panose="02020603020101020101" pitchFamily="18" charset="-127"/>
+              </a:rPr>
+              <a:t>주차에서 부족한 부분 </a:t>
+            </a:r>
+            <a:r>
+              <a:rPr lang="ko-KR" altLang="en-US" sz="1100" dirty="0" smtClean="0">
+                <a:solidFill>
+                  <a:schemeClr val="bg1"/>
+                </a:solidFill>
+                <a:latin typeface="한컴 소망 B" panose="02020603020101020101" pitchFamily="18" charset="-127"/>
+                <a:ea typeface="한컴 소망 B" panose="02020603020101020101" pitchFamily="18" charset="-127"/>
+              </a:rPr>
+              <a:t>보수 </a:t>
+            </a:r>
+            <a:r>
+              <a:rPr lang="ko-KR" altLang="en-US" sz="1100" dirty="0" smtClean="0">
+                <a:solidFill>
+                  <a:schemeClr val="bg1"/>
+                </a:solidFill>
+                <a:latin typeface="한컴 소망 B" panose="02020603020101020101" pitchFamily="18" charset="-127"/>
+                <a:ea typeface="한컴 소망 B" panose="02020603020101020101" pitchFamily="18" charset="-127"/>
+              </a:rPr>
+              <a:t>및 수정</a:t>
+            </a:r>
+            <a:r>
+              <a:rPr lang="en-US" altLang="ko-KR" sz="1100" dirty="0" smtClean="0">
+                <a:solidFill>
+                  <a:schemeClr val="bg1"/>
+                </a:solidFill>
+                <a:latin typeface="한컴 소망 B" panose="02020603020101020101" pitchFamily="18" charset="-127"/>
+                <a:ea typeface="한컴 소망 B" panose="02020603020101020101" pitchFamily="18" charset="-127"/>
+              </a:rPr>
+              <a:t>)</a:t>
+            </a:r>
+          </a:p>
+          <a:p>
+            <a:endParaRPr lang="en-US" altLang="ko-KR" sz="1100" dirty="0">
+              <a:solidFill>
+                <a:schemeClr val="bg1"/>
+              </a:solidFill>
+              <a:latin typeface="한컴 소망 B" panose="02020603020101020101" pitchFamily="18" charset="-127"/>
+              <a:ea typeface="한컴 소망 B" panose="02020603020101020101" pitchFamily="18" charset="-127"/>
+            </a:endParaRPr>
+          </a:p>
+          <a:p>
+            <a:endParaRPr lang="en-US" altLang="ko-KR" sz="1100" dirty="0" smtClean="0">
+              <a:solidFill>
+                <a:schemeClr val="bg1"/>
+              </a:solidFill>
+              <a:latin typeface="한컴 소망 B" panose="02020603020101020101" pitchFamily="18" charset="-127"/>
+              <a:ea typeface="한컴 소망 B" panose="02020603020101020101" pitchFamily="18" charset="-127"/>
+            </a:endParaRPr>
+          </a:p>
+          <a:p>
+            <a:r>
+              <a:rPr lang="ko-KR" altLang="en-US" sz="1100" dirty="0" smtClean="0">
+                <a:solidFill>
+                  <a:schemeClr val="bg1"/>
+                </a:solidFill>
+                <a:latin typeface="한컴 소망 B" panose="02020603020101020101" pitchFamily="18" charset="-127"/>
+                <a:ea typeface="한컴 소망 B" panose="02020603020101020101" pitchFamily="18" charset="-127"/>
+              </a:rPr>
+              <a:t>사운드</a:t>
+            </a:r>
+            <a:r>
+              <a:rPr lang="en-US" altLang="ko-KR" sz="1100" dirty="0" smtClean="0">
+                <a:solidFill>
+                  <a:schemeClr val="bg1"/>
+                </a:solidFill>
+                <a:latin typeface="한컴 소망 B" panose="02020603020101020101" pitchFamily="18" charset="-127"/>
+                <a:ea typeface="한컴 소망 B" panose="02020603020101020101" pitchFamily="18" charset="-127"/>
+              </a:rPr>
+              <a:t>(BGM, </a:t>
+            </a:r>
+            <a:r>
+              <a:rPr lang="ko-KR" altLang="en-US" sz="1100" dirty="0" smtClean="0">
+                <a:solidFill>
+                  <a:schemeClr val="bg1"/>
+                </a:solidFill>
+                <a:latin typeface="한컴 소망 B" panose="02020603020101020101" pitchFamily="18" charset="-127"/>
+                <a:ea typeface="한컴 소망 B" panose="02020603020101020101" pitchFamily="18" charset="-127"/>
+              </a:rPr>
+              <a:t>효과음</a:t>
+            </a:r>
+            <a:r>
+              <a:rPr lang="en-US" altLang="ko-KR" sz="1100" dirty="0">
+                <a:solidFill>
+                  <a:schemeClr val="bg1"/>
+                </a:solidFill>
+                <a:latin typeface="한컴 소망 B" panose="02020603020101020101" pitchFamily="18" charset="-127"/>
+                <a:ea typeface="한컴 소망 B" panose="02020603020101020101" pitchFamily="18" charset="-127"/>
+              </a:rPr>
+              <a:t> </a:t>
+            </a:r>
+            <a:r>
+              <a:rPr lang="ko-KR" altLang="en-US" sz="1100" dirty="0" smtClean="0">
+                <a:solidFill>
+                  <a:schemeClr val="bg1"/>
+                </a:solidFill>
+                <a:latin typeface="한컴 소망 B" panose="02020603020101020101" pitchFamily="18" charset="-127"/>
+                <a:ea typeface="한컴 소망 B" panose="02020603020101020101" pitchFamily="18" charset="-127"/>
+              </a:rPr>
+              <a:t>등 사운드 구현</a:t>
+            </a:r>
+            <a:r>
+              <a:rPr lang="en-US" altLang="ko-KR" sz="1100" dirty="0" smtClean="0">
+                <a:solidFill>
+                  <a:schemeClr val="bg1"/>
+                </a:solidFill>
+                <a:latin typeface="한컴 소망 B" panose="02020603020101020101" pitchFamily="18" charset="-127"/>
+                <a:ea typeface="한컴 소망 B" panose="02020603020101020101" pitchFamily="18" charset="-127"/>
+              </a:rPr>
+              <a:t>)</a:t>
+            </a:r>
+          </a:p>
+          <a:p>
+            <a:endParaRPr lang="en-US" altLang="ko-KR" sz="1100" dirty="0">
+              <a:solidFill>
+                <a:schemeClr val="bg1"/>
+              </a:solidFill>
+              <a:latin typeface="한컴 소망 B" panose="02020603020101020101" pitchFamily="18" charset="-127"/>
+              <a:ea typeface="한컴 소망 B" panose="02020603020101020101" pitchFamily="18" charset="-127"/>
+            </a:endParaRPr>
+          </a:p>
+          <a:p>
+            <a:r>
+              <a:rPr lang="ko-KR" altLang="en-US" sz="1100" dirty="0" smtClean="0">
+                <a:solidFill>
+                  <a:schemeClr val="bg1"/>
+                </a:solidFill>
+                <a:latin typeface="한컴 소망 B" panose="02020603020101020101" pitchFamily="18" charset="-127"/>
+                <a:ea typeface="한컴 소망 B" panose="02020603020101020101" pitchFamily="18" charset="-127"/>
+              </a:rPr>
+              <a:t>추가 범위</a:t>
+            </a:r>
+            <a:r>
+              <a:rPr lang="en-US" altLang="ko-KR" sz="1100" dirty="0" smtClean="0">
                 <a:solidFill>
                   <a:schemeClr val="bg1"/>
                 </a:solidFill>
@@ -7506,7 +8139,382 @@
               <a:t>(</a:t>
             </a:r>
             <a:r>
-              <a:rPr lang="ko-KR" altLang="en-US" sz="1600" dirty="0" err="1" smtClean="0">
+              <a:rPr lang="ko-KR" altLang="en-US" sz="1100" dirty="0" smtClean="0">
+                <a:solidFill>
+                  <a:schemeClr val="bg1"/>
+                </a:solidFill>
+                <a:latin typeface="한컴 소망 B" panose="02020603020101020101" pitchFamily="18" charset="-127"/>
+                <a:ea typeface="한컴 소망 B" panose="02020603020101020101" pitchFamily="18" charset="-127"/>
+              </a:rPr>
+              <a:t>보스 </a:t>
+            </a:r>
+            <a:r>
+              <a:rPr lang="ko-KR" altLang="en-US" sz="1100" dirty="0" err="1" smtClean="0">
+                <a:solidFill>
+                  <a:schemeClr val="bg1"/>
+                </a:solidFill>
+                <a:latin typeface="한컴 소망 B" panose="02020603020101020101" pitchFamily="18" charset="-127"/>
+                <a:ea typeface="한컴 소망 B" panose="02020603020101020101" pitchFamily="18" charset="-127"/>
+              </a:rPr>
+              <a:t>몬스터의</a:t>
+            </a:r>
+            <a:r>
+              <a:rPr lang="ko-KR" altLang="en-US" sz="1100" dirty="0" smtClean="0">
+                <a:solidFill>
+                  <a:schemeClr val="bg1"/>
+                </a:solidFill>
+                <a:latin typeface="한컴 소망 B" panose="02020603020101020101" pitchFamily="18" charset="-127"/>
+                <a:ea typeface="한컴 소망 B" panose="02020603020101020101" pitchFamily="18" charset="-127"/>
+              </a:rPr>
+              <a:t> 애니메이션</a:t>
+            </a:r>
+            <a:r>
+              <a:rPr lang="en-US" altLang="ko-KR" sz="1100" dirty="0" smtClean="0">
+                <a:solidFill>
+                  <a:schemeClr val="bg1"/>
+                </a:solidFill>
+                <a:latin typeface="한컴 소망 B" panose="02020603020101020101" pitchFamily="18" charset="-127"/>
+                <a:ea typeface="한컴 소망 B" panose="02020603020101020101" pitchFamily="18" charset="-127"/>
+              </a:rPr>
+              <a:t>, </a:t>
+            </a:r>
+            <a:endParaRPr lang="en-US" altLang="ko-KR" sz="1100" dirty="0" smtClean="0">
+              <a:solidFill>
+                <a:schemeClr val="bg1"/>
+              </a:solidFill>
+              <a:latin typeface="한컴 소망 B" panose="02020603020101020101" pitchFamily="18" charset="-127"/>
+              <a:ea typeface="한컴 소망 B" panose="02020603020101020101" pitchFamily="18" charset="-127"/>
+            </a:endParaRPr>
+          </a:p>
+          <a:p>
+            <a:r>
+              <a:rPr lang="ko-KR" altLang="en-US" sz="1100" dirty="0" smtClean="0">
+                <a:solidFill>
+                  <a:schemeClr val="bg1"/>
+                </a:solidFill>
+                <a:latin typeface="한컴 소망 B" panose="02020603020101020101" pitchFamily="18" charset="-127"/>
+                <a:ea typeface="한컴 소망 B" panose="02020603020101020101" pitchFamily="18" charset="-127"/>
+              </a:rPr>
+              <a:t>충돌체크</a:t>
+            </a:r>
+            <a:r>
+              <a:rPr lang="en-US" altLang="ko-KR" sz="1100" dirty="0" smtClean="0">
+                <a:solidFill>
+                  <a:schemeClr val="bg1"/>
+                </a:solidFill>
+                <a:latin typeface="한컴 소망 B" panose="02020603020101020101" pitchFamily="18" charset="-127"/>
+                <a:ea typeface="한컴 소망 B" panose="02020603020101020101" pitchFamily="18" charset="-127"/>
+              </a:rPr>
+              <a:t>, </a:t>
+            </a:r>
+            <a:r>
+              <a:rPr lang="ko-KR" altLang="en-US" sz="1100" dirty="0" smtClean="0">
+                <a:solidFill>
+                  <a:schemeClr val="bg1"/>
+                </a:solidFill>
+                <a:latin typeface="한컴 소망 B" panose="02020603020101020101" pitchFamily="18" charset="-127"/>
+                <a:ea typeface="한컴 소망 B" panose="02020603020101020101" pitchFamily="18" charset="-127"/>
+              </a:rPr>
+              <a:t>효과음</a:t>
+            </a:r>
+            <a:r>
+              <a:rPr lang="en-US" altLang="ko-KR" sz="1100" dirty="0" smtClean="0">
+                <a:solidFill>
+                  <a:schemeClr val="bg1"/>
+                </a:solidFill>
+                <a:latin typeface="한컴 소망 B" panose="02020603020101020101" pitchFamily="18" charset="-127"/>
+                <a:ea typeface="한컴 소망 B" panose="02020603020101020101" pitchFamily="18" charset="-127"/>
+              </a:rPr>
+              <a:t>, BGM </a:t>
+            </a:r>
+            <a:r>
+              <a:rPr lang="ko-KR" altLang="en-US" sz="1100" dirty="0" smtClean="0">
+                <a:solidFill>
+                  <a:schemeClr val="bg1"/>
+                </a:solidFill>
+                <a:latin typeface="한컴 소망 B" panose="02020603020101020101" pitchFamily="18" charset="-127"/>
+                <a:ea typeface="한컴 소망 B" panose="02020603020101020101" pitchFamily="18" charset="-127"/>
+              </a:rPr>
+              <a:t>등</a:t>
+            </a:r>
+            <a:r>
+              <a:rPr lang="en-US" altLang="ko-KR" sz="1100" dirty="0" smtClean="0">
+                <a:solidFill>
+                  <a:schemeClr val="bg1"/>
+                </a:solidFill>
+                <a:latin typeface="한컴 소망 B" panose="02020603020101020101" pitchFamily="18" charset="-127"/>
+                <a:ea typeface="한컴 소망 B" panose="02020603020101020101" pitchFamily="18" charset="-127"/>
+              </a:rPr>
+              <a:t>)</a:t>
+            </a:r>
+          </a:p>
+          <a:p>
+            <a:endParaRPr lang="en-US" altLang="ko-KR" sz="1100" dirty="0">
+              <a:solidFill>
+                <a:schemeClr val="bg1"/>
+              </a:solidFill>
+              <a:latin typeface="한컴 소망 B" panose="02020603020101020101" pitchFamily="18" charset="-127"/>
+              <a:ea typeface="한컴 소망 B" panose="02020603020101020101" pitchFamily="18" charset="-127"/>
+            </a:endParaRPr>
+          </a:p>
+          <a:p>
+            <a:r>
+              <a:rPr lang="en-US" altLang="ko-KR" sz="1100" dirty="0" smtClean="0">
+                <a:solidFill>
+                  <a:schemeClr val="bg1"/>
+                </a:solidFill>
+                <a:latin typeface="한컴 소망 B" panose="02020603020101020101" pitchFamily="18" charset="-127"/>
+                <a:ea typeface="한컴 소망 B" panose="02020603020101020101" pitchFamily="18" charset="-127"/>
+              </a:rPr>
+              <a:t>8</a:t>
+            </a:r>
+            <a:r>
+              <a:rPr lang="ko-KR" altLang="en-US" sz="1100" dirty="0" smtClean="0">
+                <a:solidFill>
+                  <a:schemeClr val="bg1"/>
+                </a:solidFill>
+                <a:latin typeface="한컴 소망 B" panose="02020603020101020101" pitchFamily="18" charset="-127"/>
+                <a:ea typeface="한컴 소망 B" panose="02020603020101020101" pitchFamily="18" charset="-127"/>
+              </a:rPr>
+              <a:t>주차 까지의 부족한 부분 보수 및 수정</a:t>
+            </a:r>
+            <a:r>
+              <a:rPr lang="en-US" altLang="ko-KR" sz="1100" dirty="0" smtClean="0">
+                <a:solidFill>
+                  <a:schemeClr val="bg1"/>
+                </a:solidFill>
+                <a:latin typeface="한컴 소망 B" panose="02020603020101020101" pitchFamily="18" charset="-127"/>
+                <a:ea typeface="한컴 소망 B" panose="02020603020101020101" pitchFamily="18" charset="-127"/>
+              </a:rPr>
+              <a:t>,</a:t>
+            </a:r>
+            <a:r>
+              <a:rPr lang="ko-KR" altLang="en-US" sz="1100" dirty="0" smtClean="0">
+                <a:solidFill>
+                  <a:schemeClr val="bg1"/>
+                </a:solidFill>
+                <a:latin typeface="한컴 소망 B" panose="02020603020101020101" pitchFamily="18" charset="-127"/>
+                <a:ea typeface="한컴 소망 B" panose="02020603020101020101" pitchFamily="18" charset="-127"/>
+              </a:rPr>
+              <a:t>버그 수정</a:t>
+            </a:r>
+            <a:endParaRPr lang="en-US" altLang="ko-KR" sz="1100" dirty="0">
+              <a:solidFill>
+                <a:schemeClr val="bg1"/>
+              </a:solidFill>
+              <a:latin typeface="한컴 소망 B" panose="02020603020101020101" pitchFamily="18" charset="-127"/>
+              <a:ea typeface="한컴 소망 B" panose="02020603020101020101" pitchFamily="18" charset="-127"/>
+            </a:endParaRPr>
+          </a:p>
+          <a:p>
+            <a:endParaRPr lang="en-US" altLang="ko-KR" sz="1100" dirty="0" smtClean="0">
+              <a:solidFill>
+                <a:schemeClr val="bg1"/>
+              </a:solidFill>
+              <a:latin typeface="한컴 소망 B" panose="02020603020101020101" pitchFamily="18" charset="-127"/>
+              <a:ea typeface="한컴 소망 B" panose="02020603020101020101" pitchFamily="18" charset="-127"/>
+            </a:endParaRPr>
+          </a:p>
+          <a:p>
+            <a:endParaRPr lang="en-US" altLang="ko-KR" sz="1100" dirty="0">
+              <a:solidFill>
+                <a:schemeClr val="bg1"/>
+              </a:solidFill>
+              <a:latin typeface="한컴 소망 B" panose="02020603020101020101" pitchFamily="18" charset="-127"/>
+              <a:ea typeface="한컴 소망 B" panose="02020603020101020101" pitchFamily="18" charset="-127"/>
+            </a:endParaRPr>
+          </a:p>
+          <a:p>
+            <a:r>
+              <a:rPr lang="ko-KR" altLang="en-US" sz="1100" dirty="0" smtClean="0">
+                <a:solidFill>
+                  <a:schemeClr val="bg1"/>
+                </a:solidFill>
+                <a:latin typeface="한컴 소망 B" panose="02020603020101020101" pitchFamily="18" charset="-127"/>
+                <a:ea typeface="한컴 소망 B" panose="02020603020101020101" pitchFamily="18" charset="-127"/>
+              </a:rPr>
+              <a:t>최종 </a:t>
+            </a:r>
+            <a:r>
+              <a:rPr lang="ko-KR" altLang="en-US" sz="1100" dirty="0" smtClean="0">
+                <a:solidFill>
+                  <a:schemeClr val="bg1"/>
+                </a:solidFill>
+                <a:latin typeface="한컴 소망 B" panose="02020603020101020101" pitchFamily="18" charset="-127"/>
+                <a:ea typeface="한컴 소망 B" panose="02020603020101020101" pitchFamily="18" charset="-127"/>
+              </a:rPr>
+              <a:t>점검</a:t>
+            </a:r>
+            <a:r>
+              <a:rPr lang="en-US" altLang="ko-KR" sz="1100" dirty="0" smtClean="0">
+                <a:solidFill>
+                  <a:schemeClr val="bg1"/>
+                </a:solidFill>
+                <a:latin typeface="한컴 소망 B" panose="02020603020101020101" pitchFamily="18" charset="-127"/>
+                <a:ea typeface="한컴 소망 B" panose="02020603020101020101" pitchFamily="18" charset="-127"/>
+              </a:rPr>
+              <a:t>(</a:t>
+            </a:r>
+            <a:r>
+              <a:rPr lang="ko-KR" altLang="en-US" sz="1100" dirty="0" smtClean="0">
+                <a:solidFill>
+                  <a:schemeClr val="bg1"/>
+                </a:solidFill>
+                <a:latin typeface="한컴 소망 B" panose="02020603020101020101" pitchFamily="18" charset="-127"/>
+                <a:ea typeface="한컴 소망 B" panose="02020603020101020101" pitchFamily="18" charset="-127"/>
+              </a:rPr>
+              <a:t>최종 점검 및 </a:t>
+            </a:r>
+            <a:r>
+              <a:rPr lang="ko-KR" altLang="en-US" sz="1100" dirty="0" err="1" smtClean="0">
+                <a:solidFill>
+                  <a:schemeClr val="bg1"/>
+                </a:solidFill>
+                <a:latin typeface="한컴 소망 B" panose="02020603020101020101" pitchFamily="18" charset="-127"/>
+                <a:ea typeface="한컴 소망 B" panose="02020603020101020101" pitchFamily="18" charset="-127"/>
+              </a:rPr>
+              <a:t>릴리즈</a:t>
+            </a:r>
+            <a:r>
+              <a:rPr lang="en-US" altLang="ko-KR" sz="1100" dirty="0" smtClean="0">
+                <a:solidFill>
+                  <a:schemeClr val="bg1"/>
+                </a:solidFill>
+                <a:latin typeface="한컴 소망 B" panose="02020603020101020101" pitchFamily="18" charset="-127"/>
+                <a:ea typeface="한컴 소망 B" panose="02020603020101020101" pitchFamily="18" charset="-127"/>
+              </a:rPr>
+              <a:t>)</a:t>
+            </a:r>
+          </a:p>
+        </p:txBody>
+      </p:sp>
+      <p:sp>
+        <p:nvSpPr>
+          <p:cNvPr id="9" name="모서리가 둥근 직사각형 8"/>
+          <p:cNvSpPr/>
+          <p:nvPr/>
+        </p:nvSpPr>
+        <p:spPr>
+          <a:xfrm>
+            <a:off x="5076056" y="1700808"/>
+            <a:ext cx="3744416" cy="5040559"/>
+          </a:xfrm>
+          <a:prstGeom prst="roundRect">
+            <a:avLst>
+              <a:gd name="adj" fmla="val 5543"/>
+            </a:avLst>
+          </a:prstGeom>
+          <a:noFill/>
+        </p:spPr>
+        <p:style>
+          <a:lnRef idx="2">
+            <a:schemeClr val="accent1">
+              <a:shade val="50000"/>
+            </a:schemeClr>
+          </a:lnRef>
+          <a:fillRef idx="1">
+            <a:schemeClr val="accent1"/>
+          </a:fillRef>
+          <a:effectRef idx="0">
+            <a:schemeClr val="accent1"/>
+          </a:effectRef>
+          <a:fontRef idx="minor">
+            <a:schemeClr val="lt1"/>
+          </a:fontRef>
+        </p:style>
+        <p:txBody>
+          <a:bodyPr rtlCol="0" anchor="ctr"/>
+          <a:lstStyle/>
+          <a:p>
+            <a:pPr algn="ctr"/>
+            <a:endParaRPr lang="ko-KR" altLang="en-US"/>
+          </a:p>
+        </p:txBody>
+      </p:sp>
+      <p:sp>
+        <p:nvSpPr>
+          <p:cNvPr id="10" name="TextBox 9"/>
+          <p:cNvSpPr txBox="1"/>
+          <p:nvPr/>
+        </p:nvSpPr>
+        <p:spPr>
+          <a:xfrm>
+            <a:off x="5110649" y="1916832"/>
+            <a:ext cx="3709823" cy="4493538"/>
+          </a:xfrm>
+          <a:prstGeom prst="rect">
+            <a:avLst/>
+          </a:prstGeom>
+          <a:noFill/>
+        </p:spPr>
+        <p:txBody>
+          <a:bodyPr wrap="square" rtlCol="0">
+            <a:spAutoFit/>
+          </a:bodyPr>
+          <a:lstStyle/>
+          <a:p>
+            <a:r>
+              <a:rPr lang="en-US" altLang="ko-KR" sz="1100" dirty="0" smtClean="0">
+                <a:solidFill>
+                  <a:schemeClr val="bg1"/>
+                </a:solidFill>
+                <a:latin typeface="한컴 소망 B" panose="02020603020101020101" pitchFamily="18" charset="-127"/>
+                <a:ea typeface="한컴 소망 B" panose="02020603020101020101" pitchFamily="18" charset="-127"/>
+              </a:rPr>
+              <a:t>(100%)</a:t>
+            </a:r>
+            <a:r>
+              <a:rPr lang="ko-KR" altLang="en-US" sz="1100" dirty="0" smtClean="0">
+                <a:solidFill>
+                  <a:schemeClr val="bg1"/>
+                </a:solidFill>
+                <a:latin typeface="한컴 소망 B" panose="02020603020101020101" pitchFamily="18" charset="-127"/>
+                <a:ea typeface="한컴 소망 B" panose="02020603020101020101" pitchFamily="18" charset="-127"/>
+              </a:rPr>
+              <a:t>리소스 </a:t>
+            </a:r>
+            <a:r>
+              <a:rPr lang="ko-KR" altLang="en-US" sz="1100" dirty="0" smtClean="0">
+                <a:solidFill>
+                  <a:schemeClr val="bg1"/>
+                </a:solidFill>
+                <a:latin typeface="한컴 소망 B" panose="02020603020101020101" pitchFamily="18" charset="-127"/>
+                <a:ea typeface="한컴 소망 B" panose="02020603020101020101" pitchFamily="18" charset="-127"/>
+              </a:rPr>
+              <a:t>수집</a:t>
+            </a:r>
+            <a:r>
+              <a:rPr lang="en-US" altLang="ko-KR" sz="1100" dirty="0" smtClean="0">
+                <a:solidFill>
+                  <a:schemeClr val="bg1"/>
+                </a:solidFill>
+                <a:latin typeface="한컴 소망 B" panose="02020603020101020101" pitchFamily="18" charset="-127"/>
+                <a:ea typeface="한컴 소망 B" panose="02020603020101020101" pitchFamily="18" charset="-127"/>
+              </a:rPr>
+              <a:t>(</a:t>
+            </a:r>
+            <a:r>
+              <a:rPr lang="ko-KR" altLang="en-US" sz="1100" dirty="0" smtClean="0">
+                <a:solidFill>
+                  <a:schemeClr val="bg1"/>
+                </a:solidFill>
+                <a:latin typeface="한컴 소망 B" panose="02020603020101020101" pitchFamily="18" charset="-127"/>
+                <a:ea typeface="한컴 소망 B" panose="02020603020101020101" pitchFamily="18" charset="-127"/>
+              </a:rPr>
+              <a:t>플레이어</a:t>
+            </a:r>
+            <a:r>
+              <a:rPr lang="en-US" altLang="ko-KR" sz="1100" dirty="0" smtClean="0">
+                <a:solidFill>
+                  <a:schemeClr val="bg1"/>
+                </a:solidFill>
+                <a:latin typeface="한컴 소망 B" panose="02020603020101020101" pitchFamily="18" charset="-127"/>
+                <a:ea typeface="한컴 소망 B" panose="02020603020101020101" pitchFamily="18" charset="-127"/>
+              </a:rPr>
+              <a:t>, </a:t>
+            </a:r>
+            <a:r>
+              <a:rPr lang="ko-KR" altLang="en-US" sz="1100" dirty="0" err="1" smtClean="0">
                 <a:solidFill>
                   <a:schemeClr val="bg1"/>
                 </a:solidFill>
@@ -7516,17 +8524,7 @@
               <a:t>몬스터</a:t>
             </a:r>
             <a:r>
-              <a:rPr lang="ko-KR" altLang="en-US" sz="1600" dirty="0" smtClean="0">
-                <a:solidFill>
-                  <a:schemeClr val="bg1"/>
-                </a:solidFill>
-                <a:latin typeface="한컴 소망 B" panose="02020603020101020101" pitchFamily="18" charset="-127"/>
-                <a:ea typeface="한컴 소망 B" panose="02020603020101020101" pitchFamily="18" charset="-127"/>
-              </a:rPr>
-              <a:t> 마다 범위 지정</a:t>
-            </a:r>
-            <a:r>
-              <a:rPr lang="en-US" altLang="ko-KR" sz="1600" dirty="0" smtClean="0">
+              <a:rPr lang="en-US" altLang="ko-KR" sz="1100" dirty="0" smtClean="0">
                 <a:solidFill>
                   <a:schemeClr val="bg1"/>
                 </a:solidFill>
@@ -7536,7 +8534,339 @@
               <a:t>, </a:t>
             </a:r>
             <a:r>
-              <a:rPr lang="ko-KR" altLang="en-US" sz="1600" dirty="0" err="1" smtClean="0">
+              <a:rPr lang="ko-KR" altLang="en-US" sz="1100" dirty="0" smtClean="0">
+                <a:solidFill>
+                  <a:schemeClr val="bg1"/>
+                </a:solidFill>
+                <a:latin typeface="한컴 소망 B" panose="02020603020101020101" pitchFamily="18" charset="-127"/>
+                <a:ea typeface="한컴 소망 B" panose="02020603020101020101" pitchFamily="18" charset="-127"/>
+              </a:rPr>
+              <a:t>배경화면 등</a:t>
+            </a:r>
+            <a:r>
+              <a:rPr lang="en-US" altLang="ko-KR" sz="1100" dirty="0" smtClean="0">
+                <a:solidFill>
+                  <a:schemeClr val="bg1"/>
+                </a:solidFill>
+                <a:latin typeface="한컴 소망 B" panose="02020603020101020101" pitchFamily="18" charset="-127"/>
+                <a:ea typeface="한컴 소망 B" panose="02020603020101020101" pitchFamily="18" charset="-127"/>
+              </a:rPr>
+              <a:t>)</a:t>
+            </a:r>
+          </a:p>
+          <a:p>
+            <a:endParaRPr lang="en-US" altLang="ko-KR" sz="1100" dirty="0" smtClean="0">
+              <a:solidFill>
+                <a:schemeClr val="bg1"/>
+              </a:solidFill>
+              <a:latin typeface="한컴 소망 B" panose="02020603020101020101" pitchFamily="18" charset="-127"/>
+              <a:ea typeface="한컴 소망 B" panose="02020603020101020101" pitchFamily="18" charset="-127"/>
+            </a:endParaRPr>
+          </a:p>
+          <a:p>
+            <a:r>
+              <a:rPr lang="en-US" altLang="ko-KR" sz="1100" dirty="0" smtClean="0">
+                <a:solidFill>
+                  <a:schemeClr val="bg1"/>
+                </a:solidFill>
+                <a:latin typeface="한컴 소망 B" panose="02020603020101020101" pitchFamily="18" charset="-127"/>
+                <a:ea typeface="한컴 소망 B" panose="02020603020101020101" pitchFamily="18" charset="-127"/>
+              </a:rPr>
+              <a:t>(50%)</a:t>
+            </a:r>
+            <a:r>
+              <a:rPr lang="ko-KR" altLang="en-US" sz="1100" dirty="0" err="1" smtClean="0">
+                <a:solidFill>
+                  <a:schemeClr val="bg1"/>
+                </a:solidFill>
+                <a:latin typeface="한컴 소망 B" panose="02020603020101020101" pitchFamily="18" charset="-127"/>
+                <a:ea typeface="한컴 소망 B" panose="02020603020101020101" pitchFamily="18" charset="-127"/>
+              </a:rPr>
+              <a:t>맵</a:t>
+            </a:r>
+            <a:r>
+              <a:rPr lang="ko-KR" altLang="en-US" sz="1100" dirty="0" smtClean="0">
+                <a:solidFill>
+                  <a:schemeClr val="bg1"/>
+                </a:solidFill>
+                <a:latin typeface="한컴 소망 B" panose="02020603020101020101" pitchFamily="18" charset="-127"/>
+                <a:ea typeface="한컴 소망 B" panose="02020603020101020101" pitchFamily="18" charset="-127"/>
+              </a:rPr>
+              <a:t> </a:t>
+            </a:r>
+            <a:r>
+              <a:rPr lang="ko-KR" altLang="en-US" sz="1100" dirty="0" smtClean="0">
+                <a:solidFill>
+                  <a:schemeClr val="bg1"/>
+                </a:solidFill>
+                <a:latin typeface="한컴 소망 B" panose="02020603020101020101" pitchFamily="18" charset="-127"/>
+                <a:ea typeface="한컴 소망 B" panose="02020603020101020101" pitchFamily="18" charset="-127"/>
+              </a:rPr>
+              <a:t>구현</a:t>
+            </a:r>
+            <a:r>
+              <a:rPr lang="en-US" altLang="ko-KR" sz="1100" dirty="0" smtClean="0">
+                <a:solidFill>
+                  <a:schemeClr val="bg1"/>
+                </a:solidFill>
+                <a:latin typeface="한컴 소망 B" panose="02020603020101020101" pitchFamily="18" charset="-127"/>
+                <a:ea typeface="한컴 소망 B" panose="02020603020101020101" pitchFamily="18" charset="-127"/>
+              </a:rPr>
+              <a:t>(</a:t>
+            </a:r>
+            <a:r>
+              <a:rPr lang="ko-KR" altLang="en-US" sz="1100" dirty="0" err="1" smtClean="0">
+                <a:solidFill>
+                  <a:schemeClr val="bg1"/>
+                </a:solidFill>
+                <a:latin typeface="한컴 소망 B" panose="02020603020101020101" pitchFamily="18" charset="-127"/>
+                <a:ea typeface="한컴 소망 B" panose="02020603020101020101" pitchFamily="18" charset="-127"/>
+              </a:rPr>
+              <a:t>맵</a:t>
+            </a:r>
+            <a:r>
+              <a:rPr lang="ko-KR" altLang="en-US" sz="1100" dirty="0" smtClean="0">
+                <a:solidFill>
+                  <a:schemeClr val="bg1"/>
+                </a:solidFill>
+                <a:latin typeface="한컴 소망 B" panose="02020603020101020101" pitchFamily="18" charset="-127"/>
+                <a:ea typeface="한컴 소망 B" panose="02020603020101020101" pitchFamily="18" charset="-127"/>
+              </a:rPr>
+              <a:t> </a:t>
+            </a:r>
+            <a:r>
+              <a:rPr lang="ko-KR" altLang="en-US" sz="1100" dirty="0" smtClean="0">
+                <a:solidFill>
+                  <a:schemeClr val="bg1"/>
+                </a:solidFill>
+                <a:latin typeface="한컴 소망 B" panose="02020603020101020101" pitchFamily="18" charset="-127"/>
+                <a:ea typeface="한컴 소망 B" panose="02020603020101020101" pitchFamily="18" charset="-127"/>
+              </a:rPr>
+              <a:t>화면 구현</a:t>
+            </a:r>
+            <a:r>
+              <a:rPr lang="en-US" altLang="ko-KR" sz="1100" dirty="0" smtClean="0">
+                <a:solidFill>
+                  <a:schemeClr val="bg1"/>
+                </a:solidFill>
+                <a:latin typeface="한컴 소망 B" panose="02020603020101020101" pitchFamily="18" charset="-127"/>
+                <a:ea typeface="한컴 소망 B" panose="02020603020101020101" pitchFamily="18" charset="-127"/>
+              </a:rPr>
+              <a:t>)</a:t>
+            </a:r>
+          </a:p>
+          <a:p>
+            <a:endParaRPr lang="en-US" altLang="ko-KR" sz="1100" dirty="0" smtClean="0">
+              <a:solidFill>
+                <a:schemeClr val="bg1"/>
+              </a:solidFill>
+              <a:latin typeface="한컴 소망 B" panose="02020603020101020101" pitchFamily="18" charset="-127"/>
+              <a:ea typeface="한컴 소망 B" panose="02020603020101020101" pitchFamily="18" charset="-127"/>
+            </a:endParaRPr>
+          </a:p>
+          <a:p>
+            <a:endParaRPr lang="en-US" altLang="ko-KR" sz="1100" dirty="0" smtClean="0">
+              <a:solidFill>
+                <a:schemeClr val="bg1"/>
+              </a:solidFill>
+              <a:latin typeface="한컴 소망 B" panose="02020603020101020101" pitchFamily="18" charset="-127"/>
+              <a:ea typeface="한컴 소망 B" panose="02020603020101020101" pitchFamily="18" charset="-127"/>
+            </a:endParaRPr>
+          </a:p>
+          <a:p>
+            <a:r>
+              <a:rPr lang="en-US" altLang="ko-KR" sz="1100" dirty="0" smtClean="0">
+                <a:solidFill>
+                  <a:schemeClr val="bg1"/>
+                </a:solidFill>
+                <a:latin typeface="한컴 소망 B" panose="02020603020101020101" pitchFamily="18" charset="-127"/>
+                <a:ea typeface="한컴 소망 B" panose="02020603020101020101" pitchFamily="18" charset="-127"/>
+              </a:rPr>
+              <a:t>(60%)</a:t>
+            </a:r>
+            <a:r>
+              <a:rPr lang="ko-KR" altLang="en-US" sz="1100" dirty="0" smtClean="0">
+                <a:solidFill>
+                  <a:schemeClr val="bg1"/>
+                </a:solidFill>
+                <a:latin typeface="한컴 소망 B" panose="02020603020101020101" pitchFamily="18" charset="-127"/>
+                <a:ea typeface="한컴 소망 B" panose="02020603020101020101" pitchFamily="18" charset="-127"/>
+              </a:rPr>
+              <a:t>캐릭터 </a:t>
+            </a:r>
+            <a:r>
+              <a:rPr lang="ko-KR" altLang="en-US" sz="1100" dirty="0" smtClean="0">
+                <a:solidFill>
+                  <a:schemeClr val="bg1"/>
+                </a:solidFill>
+                <a:latin typeface="한컴 소망 B" panose="02020603020101020101" pitchFamily="18" charset="-127"/>
+                <a:ea typeface="한컴 소망 B" panose="02020603020101020101" pitchFamily="18" charset="-127"/>
+              </a:rPr>
+              <a:t>구현</a:t>
+            </a:r>
+            <a:r>
+              <a:rPr lang="en-US" altLang="ko-KR" sz="1100" dirty="0" smtClean="0">
+                <a:solidFill>
+                  <a:schemeClr val="bg1"/>
+                </a:solidFill>
+                <a:latin typeface="한컴 소망 B" panose="02020603020101020101" pitchFamily="18" charset="-127"/>
+                <a:ea typeface="한컴 소망 B" panose="02020603020101020101" pitchFamily="18" charset="-127"/>
+              </a:rPr>
+              <a:t>(</a:t>
+            </a:r>
+            <a:r>
+              <a:rPr lang="ko-KR" altLang="en-US" sz="1100" dirty="0" smtClean="0">
+                <a:solidFill>
+                  <a:schemeClr val="bg1"/>
+                </a:solidFill>
+                <a:latin typeface="한컴 소망 B" panose="02020603020101020101" pitchFamily="18" charset="-127"/>
+                <a:ea typeface="한컴 소망 B" panose="02020603020101020101" pitchFamily="18" charset="-127"/>
+              </a:rPr>
+              <a:t>캐릭</a:t>
+            </a:r>
+            <a:r>
+              <a:rPr lang="ko-KR" altLang="en-US" sz="1100" dirty="0">
+                <a:solidFill>
+                  <a:schemeClr val="bg1"/>
+                </a:solidFill>
+                <a:latin typeface="한컴 소망 B" panose="02020603020101020101" pitchFamily="18" charset="-127"/>
+                <a:ea typeface="한컴 소망 B" panose="02020603020101020101" pitchFamily="18" charset="-127"/>
+              </a:rPr>
+              <a:t>터</a:t>
+            </a:r>
+            <a:r>
+              <a:rPr lang="ko-KR" altLang="en-US" sz="1100" dirty="0" smtClean="0">
+                <a:solidFill>
+                  <a:schemeClr val="bg1"/>
+                </a:solidFill>
+                <a:latin typeface="한컴 소망 B" panose="02020603020101020101" pitchFamily="18" charset="-127"/>
+                <a:ea typeface="한컴 소망 B" panose="02020603020101020101" pitchFamily="18" charset="-127"/>
+              </a:rPr>
+              <a:t> </a:t>
+            </a:r>
+            <a:r>
+              <a:rPr lang="ko-KR" altLang="en-US" sz="1100" dirty="0" smtClean="0">
+                <a:solidFill>
+                  <a:schemeClr val="bg1"/>
+                </a:solidFill>
+                <a:latin typeface="한컴 소망 B" panose="02020603020101020101" pitchFamily="18" charset="-127"/>
+                <a:ea typeface="한컴 소망 B" panose="02020603020101020101" pitchFamily="18" charset="-127"/>
+              </a:rPr>
+              <a:t>애니메이션구현</a:t>
+            </a:r>
+            <a:r>
+              <a:rPr lang="en-US" altLang="ko-KR" sz="1100" dirty="0" smtClean="0">
+                <a:solidFill>
+                  <a:schemeClr val="bg1"/>
+                </a:solidFill>
+                <a:latin typeface="한컴 소망 B" panose="02020603020101020101" pitchFamily="18" charset="-127"/>
+                <a:ea typeface="한컴 소망 B" panose="02020603020101020101" pitchFamily="18" charset="-127"/>
+              </a:rPr>
+              <a:t>,</a:t>
+            </a:r>
+            <a:r>
+              <a:rPr lang="ko-KR" altLang="en-US" sz="1100" dirty="0" smtClean="0">
+                <a:solidFill>
+                  <a:schemeClr val="bg1"/>
+                </a:solidFill>
+                <a:latin typeface="한컴 소망 B" panose="02020603020101020101" pitchFamily="18" charset="-127"/>
+                <a:ea typeface="한컴 소망 B" panose="02020603020101020101" pitchFamily="18" charset="-127"/>
+              </a:rPr>
+              <a:t> 캐릭터 </a:t>
+            </a:r>
+            <a:r>
+              <a:rPr lang="ko-KR" altLang="en-US" sz="1100" dirty="0" smtClean="0">
+                <a:solidFill>
+                  <a:schemeClr val="bg1"/>
+                </a:solidFill>
+                <a:latin typeface="한컴 소망 B" panose="02020603020101020101" pitchFamily="18" charset="-127"/>
+                <a:ea typeface="한컴 소망 B" panose="02020603020101020101" pitchFamily="18" charset="-127"/>
+              </a:rPr>
+              <a:t>컨트롤 구현</a:t>
+            </a:r>
+            <a:r>
+              <a:rPr lang="en-US" altLang="ko-KR" sz="1100" dirty="0" smtClean="0">
+                <a:solidFill>
+                  <a:schemeClr val="bg1"/>
+                </a:solidFill>
+                <a:latin typeface="한컴 소망 B" panose="02020603020101020101" pitchFamily="18" charset="-127"/>
+                <a:ea typeface="한컴 소망 B" panose="02020603020101020101" pitchFamily="18" charset="-127"/>
+              </a:rPr>
+              <a:t>)</a:t>
+            </a:r>
+          </a:p>
+          <a:p>
+            <a:r>
+              <a:rPr lang="en-US" altLang="ko-KR" sz="1100" dirty="0">
+                <a:solidFill>
+                  <a:schemeClr val="bg1"/>
+                </a:solidFill>
+                <a:latin typeface="한컴 소망 B" panose="02020603020101020101" pitchFamily="18" charset="-127"/>
+                <a:ea typeface="한컴 소망 B" panose="02020603020101020101" pitchFamily="18" charset="-127"/>
+              </a:rPr>
+              <a:t> </a:t>
+            </a:r>
+            <a:endParaRPr lang="en-US" altLang="ko-KR" sz="1100" dirty="0" smtClean="0">
+              <a:solidFill>
+                <a:schemeClr val="bg1"/>
+              </a:solidFill>
+              <a:latin typeface="한컴 소망 B" panose="02020603020101020101" pitchFamily="18" charset="-127"/>
+              <a:ea typeface="한컴 소망 B" panose="02020603020101020101" pitchFamily="18" charset="-127"/>
+            </a:endParaRPr>
+          </a:p>
+          <a:p>
+            <a:r>
+              <a:rPr lang="en-US" altLang="ko-KR" sz="1100" dirty="0" smtClean="0">
+                <a:solidFill>
+                  <a:schemeClr val="bg1"/>
+                </a:solidFill>
+                <a:latin typeface="한컴 소망 B" panose="02020603020101020101" pitchFamily="18" charset="-127"/>
+                <a:ea typeface="한컴 소망 B" panose="02020603020101020101" pitchFamily="18" charset="-127"/>
+              </a:rPr>
+              <a:t>(60%)</a:t>
+            </a:r>
+            <a:r>
+              <a:rPr lang="ko-KR" altLang="en-US" sz="1100" dirty="0" err="1" smtClean="0">
+                <a:solidFill>
+                  <a:schemeClr val="bg1"/>
+                </a:solidFill>
+                <a:latin typeface="한컴 소망 B" panose="02020603020101020101" pitchFamily="18" charset="-127"/>
+                <a:ea typeface="한컴 소망 B" panose="02020603020101020101" pitchFamily="18" charset="-127"/>
+              </a:rPr>
+              <a:t>몬스터</a:t>
+            </a:r>
+            <a:r>
+              <a:rPr lang="ko-KR" altLang="en-US" sz="1100" dirty="0" smtClean="0">
+                <a:solidFill>
+                  <a:schemeClr val="bg1"/>
+                </a:solidFill>
+                <a:latin typeface="한컴 소망 B" panose="02020603020101020101" pitchFamily="18" charset="-127"/>
+                <a:ea typeface="한컴 소망 B" panose="02020603020101020101" pitchFamily="18" charset="-127"/>
+              </a:rPr>
+              <a:t> </a:t>
+            </a:r>
+            <a:r>
+              <a:rPr lang="ko-KR" altLang="en-US" sz="1100" dirty="0" smtClean="0">
+                <a:solidFill>
+                  <a:schemeClr val="bg1"/>
+                </a:solidFill>
+                <a:latin typeface="한컴 소망 B" panose="02020603020101020101" pitchFamily="18" charset="-127"/>
+                <a:ea typeface="한컴 소망 B" panose="02020603020101020101" pitchFamily="18" charset="-127"/>
+              </a:rPr>
+              <a:t>구현</a:t>
+            </a:r>
+            <a:r>
+              <a:rPr lang="en-US" altLang="ko-KR" sz="1100" dirty="0" smtClean="0">
+                <a:solidFill>
+                  <a:schemeClr val="bg1"/>
+                </a:solidFill>
+                <a:latin typeface="한컴 소망 B" panose="02020603020101020101" pitchFamily="18" charset="-127"/>
+                <a:ea typeface="한컴 소망 B" panose="02020603020101020101" pitchFamily="18" charset="-127"/>
+              </a:rPr>
+              <a:t>(</a:t>
+            </a:r>
+            <a:r>
+              <a:rPr lang="ko-KR" altLang="en-US" sz="1100" dirty="0" err="1" smtClean="0">
                 <a:solidFill>
                   <a:schemeClr val="bg1"/>
                 </a:solidFill>
@@ -7546,7 +8876,7 @@
               <a:t>맵에</a:t>
             </a:r>
             <a:r>
-              <a:rPr lang="ko-KR" altLang="en-US" sz="1600" dirty="0" smtClean="0">
+              <a:rPr lang="ko-KR" altLang="en-US" sz="1100" dirty="0" smtClean="0">
                 <a:solidFill>
                   <a:schemeClr val="bg1"/>
                 </a:solidFill>
@@ -7556,7 +8886,7 @@
               <a:t> 나올 </a:t>
             </a:r>
             <a:r>
-              <a:rPr lang="ko-KR" altLang="en-US" sz="1600" dirty="0" err="1" smtClean="0">
+              <a:rPr lang="ko-KR" altLang="en-US" sz="1100" dirty="0" err="1" smtClean="0">
                 <a:solidFill>
                   <a:schemeClr val="bg1"/>
                 </a:solidFill>
@@ -7566,7 +8896,7 @@
               <a:t>몬스터</a:t>
             </a:r>
             <a:r>
-              <a:rPr lang="ko-KR" altLang="en-US" sz="1600" dirty="0" smtClean="0">
+              <a:rPr lang="ko-KR" altLang="en-US" sz="1100" dirty="0" smtClean="0">
                 <a:solidFill>
                   <a:schemeClr val="bg1"/>
                 </a:solidFill>
@@ -7576,7 +8906,7 @@
               <a:t> 수 지정</a:t>
             </a:r>
             <a:r>
-              <a:rPr lang="en-US" altLang="ko-KR" sz="1600" dirty="0" smtClean="0">
+              <a:rPr lang="en-US" altLang="ko-KR" sz="1100" dirty="0" smtClean="0">
                 <a:solidFill>
                   <a:schemeClr val="bg1"/>
                 </a:solidFill>
@@ -7585,30 +8915,8 @@
               </a:rPr>
               <a:t>, </a:t>
             </a:r>
-          </a:p>
-          <a:p>
-            <a:r>
-              <a:rPr lang="en-US" altLang="ko-KR" sz="1600" dirty="0">
-                <a:solidFill>
-                  <a:schemeClr val="bg1"/>
-                </a:solidFill>
-                <a:latin typeface="한컴 소망 B" panose="02020603020101020101" pitchFamily="18" charset="-127"/>
-                <a:ea typeface="한컴 소망 B" panose="02020603020101020101" pitchFamily="18" charset="-127"/>
-              </a:rPr>
-              <a:t>	</a:t>
-            </a:r>
-            <a:r>
-              <a:rPr lang="en-US" altLang="ko-KR" sz="1600" dirty="0" smtClean="0">
-                <a:solidFill>
-                  <a:schemeClr val="bg1"/>
-                </a:solidFill>
-                <a:latin typeface="한컴 소망 B" panose="02020603020101020101" pitchFamily="18" charset="-127"/>
-                <a:ea typeface="한컴 소망 B" panose="02020603020101020101" pitchFamily="18" charset="-127"/>
-              </a:rPr>
-              <a:t>   </a:t>
-            </a:r>
-            <a:r>
-              <a:rPr lang="ko-KR" altLang="en-US" sz="1600" dirty="0" err="1" smtClean="0">
+            <a:r>
+              <a:rPr lang="ko-KR" altLang="en-US" sz="1100" dirty="0" err="1" smtClean="0">
                 <a:solidFill>
                   <a:schemeClr val="bg1"/>
                 </a:solidFill>
@@ -7618,17 +8926,27 @@
               <a:t>몬스터</a:t>
             </a:r>
             <a:r>
-              <a:rPr lang="ko-KR" altLang="en-US" sz="1600" dirty="0" smtClean="0">
-                <a:solidFill>
-                  <a:schemeClr val="bg1"/>
-                </a:solidFill>
-                <a:latin typeface="한컴 소망 B" panose="02020603020101020101" pitchFamily="18" charset="-127"/>
-                <a:ea typeface="한컴 소망 B" panose="02020603020101020101" pitchFamily="18" charset="-127"/>
-              </a:rPr>
-              <a:t>  애니메이션 구현</a:t>
-            </a:r>
-            <a:r>
-              <a:rPr lang="en-US" altLang="ko-KR" sz="1600" dirty="0" smtClean="0">
+              <a:rPr lang="ko-KR" altLang="en-US" sz="1100" dirty="0" smtClean="0">
+                <a:solidFill>
+                  <a:schemeClr val="bg1"/>
+                </a:solidFill>
+                <a:latin typeface="한컴 소망 B" panose="02020603020101020101" pitchFamily="18" charset="-127"/>
+                <a:ea typeface="한컴 소망 B" panose="02020603020101020101" pitchFamily="18" charset="-127"/>
+              </a:rPr>
+              <a:t>  </a:t>
+            </a:r>
+            <a:r>
+              <a:rPr lang="ko-KR" altLang="en-US" sz="1100" dirty="0" smtClean="0">
+                <a:solidFill>
+                  <a:schemeClr val="bg1"/>
+                </a:solidFill>
+                <a:latin typeface="한컴 소망 B" panose="02020603020101020101" pitchFamily="18" charset="-127"/>
+                <a:ea typeface="한컴 소망 B" panose="02020603020101020101" pitchFamily="18" charset="-127"/>
+              </a:rPr>
+              <a:t>애니메이션 구현</a:t>
+            </a:r>
+            <a:r>
+              <a:rPr lang="en-US" altLang="ko-KR" sz="1100" dirty="0" smtClean="0">
                 <a:solidFill>
                   <a:schemeClr val="bg1"/>
                 </a:solidFill>
@@ -7637,512 +8955,616 @@
               </a:rPr>
               <a:t>)</a:t>
             </a:r>
-          </a:p>
-          <a:p>
-            <a:r>
-              <a:rPr lang="ko-KR" altLang="en-US" sz="1600" dirty="0" smtClean="0">
-                <a:solidFill>
-                  <a:schemeClr val="bg1"/>
-                </a:solidFill>
+            <a:endParaRPr lang="en-US" altLang="ko-KR" sz="1100" dirty="0">
+              <a:solidFill>
+                <a:schemeClr val="bg1"/>
+              </a:solidFill>
+              <a:latin typeface="한컴 소망 B" panose="02020603020101020101" pitchFamily="18" charset="-127"/>
+              <a:ea typeface="한컴 소망 B" panose="02020603020101020101" pitchFamily="18" charset="-127"/>
+            </a:endParaRPr>
+          </a:p>
+          <a:p>
+            <a:endParaRPr lang="en-US" altLang="ko-KR" sz="1100" dirty="0" smtClean="0">
+              <a:solidFill>
+                <a:schemeClr val="bg1"/>
+              </a:solidFill>
+              <a:latin typeface="한컴 소망 B" panose="02020603020101020101" pitchFamily="18" charset="-127"/>
+              <a:ea typeface="한컴 소망 B" panose="02020603020101020101" pitchFamily="18" charset="-127"/>
+            </a:endParaRPr>
+          </a:p>
+          <a:p>
+            <a:r>
+              <a:rPr lang="ko-KR" altLang="en-US" sz="1100" dirty="0" smtClean="0">
                 <a:latin typeface="한컴 소망 B" panose="02020603020101020101" pitchFamily="18" charset="-127"/>
                 <a:ea typeface="한컴 소망 B" panose="02020603020101020101" pitchFamily="18" charset="-127"/>
               </a:rPr>
               <a:t>충돌 처리</a:t>
             </a:r>
             <a:r>
-              <a:rPr lang="en-US" altLang="ko-KR" sz="1600" dirty="0" smtClean="0">
-                <a:solidFill>
-                  <a:schemeClr val="bg1"/>
-                </a:solidFill>
+              <a:rPr lang="en-US" altLang="ko-KR" sz="1100" dirty="0" smtClean="0">
                 <a:latin typeface="한컴 소망 B" panose="02020603020101020101" pitchFamily="18" charset="-127"/>
                 <a:ea typeface="한컴 소망 B" panose="02020603020101020101" pitchFamily="18" charset="-127"/>
               </a:rPr>
               <a:t>(</a:t>
             </a:r>
             <a:r>
-              <a:rPr lang="ko-KR" altLang="en-US" sz="1600" dirty="0" smtClean="0">
-                <a:solidFill>
-                  <a:schemeClr val="bg1"/>
-                </a:solidFill>
+              <a:rPr lang="ko-KR" altLang="en-US" sz="1100" dirty="0" smtClean="0">
                 <a:latin typeface="한컴 소망 B" panose="02020603020101020101" pitchFamily="18" charset="-127"/>
                 <a:ea typeface="한컴 소망 B" panose="02020603020101020101" pitchFamily="18" charset="-127"/>
               </a:rPr>
               <a:t>물방울과 </a:t>
             </a:r>
             <a:r>
-              <a:rPr lang="ko-KR" altLang="en-US" sz="1600" dirty="0" err="1" smtClean="0">
-                <a:solidFill>
-                  <a:schemeClr val="bg1"/>
-                </a:solidFill>
+              <a:rPr lang="ko-KR" altLang="en-US" sz="1100" dirty="0" err="1" smtClean="0">
                 <a:latin typeface="한컴 소망 B" panose="02020603020101020101" pitchFamily="18" charset="-127"/>
                 <a:ea typeface="한컴 소망 B" panose="02020603020101020101" pitchFamily="18" charset="-127"/>
               </a:rPr>
               <a:t>몬스터</a:t>
             </a:r>
             <a:r>
-              <a:rPr lang="ko-KR" altLang="en-US" sz="1600" dirty="0" smtClean="0">
-                <a:solidFill>
-                  <a:schemeClr val="bg1"/>
-                </a:solidFill>
+              <a:rPr lang="ko-KR" altLang="en-US" sz="1100" dirty="0" smtClean="0">
                 <a:latin typeface="한컴 소망 B" panose="02020603020101020101" pitchFamily="18" charset="-127"/>
                 <a:ea typeface="한컴 소망 B" panose="02020603020101020101" pitchFamily="18" charset="-127"/>
               </a:rPr>
               <a:t> 충돌</a:t>
             </a:r>
             <a:r>
-              <a:rPr lang="en-US" altLang="ko-KR" sz="1600" dirty="0" smtClean="0">
-                <a:solidFill>
-                  <a:schemeClr val="bg1"/>
-                </a:solidFill>
+              <a:rPr lang="en-US" altLang="ko-KR" sz="1100" dirty="0" smtClean="0">
                 <a:latin typeface="한컴 소망 B" panose="02020603020101020101" pitchFamily="18" charset="-127"/>
                 <a:ea typeface="한컴 소망 B" panose="02020603020101020101" pitchFamily="18" charset="-127"/>
               </a:rPr>
               <a:t>, </a:t>
             </a:r>
             <a:r>
-              <a:rPr lang="ko-KR" altLang="en-US" sz="1600" dirty="0" err="1" smtClean="0">
-                <a:solidFill>
-                  <a:schemeClr val="bg1"/>
-                </a:solidFill>
+              <a:rPr lang="ko-KR" altLang="en-US" sz="1100" dirty="0" err="1" smtClean="0">
                 <a:latin typeface="한컴 소망 B" panose="02020603020101020101" pitchFamily="18" charset="-127"/>
                 <a:ea typeface="한컴 소망 B" panose="02020603020101020101" pitchFamily="18" charset="-127"/>
               </a:rPr>
               <a:t>몬스터와</a:t>
             </a:r>
             <a:r>
-              <a:rPr lang="ko-KR" altLang="en-US" sz="1600" dirty="0" smtClean="0">
-                <a:solidFill>
-                  <a:schemeClr val="bg1"/>
-                </a:solidFill>
-                <a:latin typeface="한컴 소망 B" panose="02020603020101020101" pitchFamily="18" charset="-127"/>
-                <a:ea typeface="한컴 소망 B" panose="02020603020101020101" pitchFamily="18" charset="-127"/>
-              </a:rPr>
-              <a:t> 캐릭터 충돌</a:t>
-            </a:r>
-            <a:r>
-              <a:rPr lang="en-US" altLang="ko-KR" sz="1600" dirty="0" smtClean="0">
-                <a:solidFill>
-                  <a:schemeClr val="bg1"/>
-                </a:solidFill>
+              <a:rPr lang="ko-KR" altLang="en-US" sz="1100" dirty="0" smtClean="0">
+                <a:latin typeface="한컴 소망 B" panose="02020603020101020101" pitchFamily="18" charset="-127"/>
+                <a:ea typeface="한컴 소망 B" panose="02020603020101020101" pitchFamily="18" charset="-127"/>
+              </a:rPr>
+              <a:t> </a:t>
+            </a:r>
+            <a:endParaRPr lang="en-US" altLang="ko-KR" sz="1100" dirty="0" smtClean="0">
+              <a:latin typeface="한컴 소망 B" panose="02020603020101020101" pitchFamily="18" charset="-127"/>
+              <a:ea typeface="한컴 소망 B" panose="02020603020101020101" pitchFamily="18" charset="-127"/>
+            </a:endParaRPr>
+          </a:p>
+          <a:p>
+            <a:r>
+              <a:rPr lang="ko-KR" altLang="en-US" sz="1100" dirty="0" smtClean="0">
+                <a:latin typeface="한컴 소망 B" panose="02020603020101020101" pitchFamily="18" charset="-127"/>
+                <a:ea typeface="한컴 소망 B" panose="02020603020101020101" pitchFamily="18" charset="-127"/>
+              </a:rPr>
+              <a:t>캐릭터 </a:t>
+            </a:r>
+            <a:r>
+              <a:rPr lang="ko-KR" altLang="en-US" sz="1100" dirty="0" smtClean="0">
+                <a:latin typeface="한컴 소망 B" panose="02020603020101020101" pitchFamily="18" charset="-127"/>
+                <a:ea typeface="한컴 소망 B" panose="02020603020101020101" pitchFamily="18" charset="-127"/>
+              </a:rPr>
+              <a:t>충돌</a:t>
+            </a:r>
+            <a:r>
+              <a:rPr lang="en-US" altLang="ko-KR" sz="1100" dirty="0" smtClean="0">
+                <a:latin typeface="한컴 소망 B" panose="02020603020101020101" pitchFamily="18" charset="-127"/>
+                <a:ea typeface="한컴 소망 B" panose="02020603020101020101" pitchFamily="18" charset="-127"/>
+              </a:rPr>
+              <a:t>, </a:t>
+            </a:r>
+            <a:r>
+              <a:rPr lang="ko-KR" altLang="en-US" sz="1100" dirty="0" smtClean="0">
+                <a:latin typeface="한컴 소망 B" panose="02020603020101020101" pitchFamily="18" charset="-127"/>
+                <a:ea typeface="한컴 소망 B" panose="02020603020101020101" pitchFamily="18" charset="-127"/>
+              </a:rPr>
+              <a:t>캐릭터 </a:t>
+            </a:r>
+            <a:r>
+              <a:rPr lang="ko-KR" altLang="en-US" sz="1100" dirty="0" smtClean="0">
+                <a:latin typeface="한컴 소망 B" panose="02020603020101020101" pitchFamily="18" charset="-127"/>
+                <a:ea typeface="한컴 소망 B" panose="02020603020101020101" pitchFamily="18" charset="-127"/>
+              </a:rPr>
+              <a:t>및 </a:t>
+            </a:r>
+            <a:r>
+              <a:rPr lang="ko-KR" altLang="en-US" sz="1100" dirty="0" err="1" smtClean="0">
+                <a:latin typeface="한컴 소망 B" panose="02020603020101020101" pitchFamily="18" charset="-127"/>
+                <a:ea typeface="한컴 소망 B" panose="02020603020101020101" pitchFamily="18" charset="-127"/>
+              </a:rPr>
+              <a:t>몬스터와</a:t>
+            </a:r>
+            <a:r>
+              <a:rPr lang="ko-KR" altLang="en-US" sz="1100" dirty="0" smtClean="0">
+                <a:latin typeface="한컴 소망 B" panose="02020603020101020101" pitchFamily="18" charset="-127"/>
+                <a:ea typeface="한컴 소망 B" panose="02020603020101020101" pitchFamily="18" charset="-127"/>
+              </a:rPr>
+              <a:t> 블록 충돌</a:t>
+            </a:r>
+            <a:r>
+              <a:rPr lang="en-US" altLang="ko-KR" sz="1100" dirty="0" smtClean="0">
+                <a:latin typeface="한컴 소망 B" panose="02020603020101020101" pitchFamily="18" charset="-127"/>
+                <a:ea typeface="한컴 소망 B" panose="02020603020101020101" pitchFamily="18" charset="-127"/>
+              </a:rPr>
+              <a:t>)</a:t>
+            </a:r>
+          </a:p>
+          <a:p>
+            <a:endParaRPr lang="en-US" altLang="ko-KR" sz="1100" dirty="0" smtClean="0">
+              <a:latin typeface="한컴 소망 B" panose="02020603020101020101" pitchFamily="18" charset="-127"/>
+              <a:ea typeface="한컴 소망 B" panose="02020603020101020101" pitchFamily="18" charset="-127"/>
+            </a:endParaRPr>
+          </a:p>
+          <a:p>
+            <a:r>
+              <a:rPr lang="ko-KR" altLang="en-US" sz="1100" dirty="0" smtClean="0">
+                <a:latin typeface="한컴 소망 B" panose="02020603020101020101" pitchFamily="18" charset="-127"/>
+                <a:ea typeface="한컴 소망 B" panose="02020603020101020101" pitchFamily="18" charset="-127"/>
+              </a:rPr>
+              <a:t>중간 점검</a:t>
+            </a:r>
+            <a:r>
+              <a:rPr lang="en-US" altLang="ko-KR" sz="1100" dirty="0" smtClean="0">
+                <a:latin typeface="한컴 소망 B" panose="02020603020101020101" pitchFamily="18" charset="-127"/>
+                <a:ea typeface="한컴 소망 B" panose="02020603020101020101" pitchFamily="18" charset="-127"/>
+              </a:rPr>
+              <a:t>(1~5</a:t>
+            </a:r>
+            <a:r>
+              <a:rPr lang="ko-KR" altLang="en-US" sz="1100" dirty="0" smtClean="0">
+                <a:latin typeface="한컴 소망 B" panose="02020603020101020101" pitchFamily="18" charset="-127"/>
+                <a:ea typeface="한컴 소망 B" panose="02020603020101020101" pitchFamily="18" charset="-127"/>
+              </a:rPr>
+              <a:t>주차에서 부족한 부분 </a:t>
+            </a:r>
+            <a:r>
+              <a:rPr lang="ko-KR" altLang="en-US" sz="1100" dirty="0" smtClean="0">
+                <a:latin typeface="한컴 소망 B" panose="02020603020101020101" pitchFamily="18" charset="-127"/>
+                <a:ea typeface="한컴 소망 B" panose="02020603020101020101" pitchFamily="18" charset="-127"/>
+              </a:rPr>
+              <a:t>보수 </a:t>
+            </a:r>
+            <a:r>
+              <a:rPr lang="ko-KR" altLang="en-US" sz="1100" dirty="0" smtClean="0">
+                <a:latin typeface="한컴 소망 B" panose="02020603020101020101" pitchFamily="18" charset="-127"/>
+                <a:ea typeface="한컴 소망 B" panose="02020603020101020101" pitchFamily="18" charset="-127"/>
+              </a:rPr>
+              <a:t>및 수정</a:t>
+            </a:r>
+            <a:r>
+              <a:rPr lang="en-US" altLang="ko-KR" sz="1100" dirty="0" smtClean="0">
+                <a:latin typeface="한컴 소망 B" panose="02020603020101020101" pitchFamily="18" charset="-127"/>
+                <a:ea typeface="한컴 소망 B" panose="02020603020101020101" pitchFamily="18" charset="-127"/>
+              </a:rPr>
+              <a:t>)</a:t>
+            </a:r>
+          </a:p>
+          <a:p>
+            <a:endParaRPr lang="en-US" altLang="ko-KR" sz="1100" dirty="0">
+              <a:latin typeface="한컴 소망 B" panose="02020603020101020101" pitchFamily="18" charset="-127"/>
+              <a:ea typeface="한컴 소망 B" panose="02020603020101020101" pitchFamily="18" charset="-127"/>
+            </a:endParaRPr>
+          </a:p>
+          <a:p>
+            <a:endParaRPr lang="en-US" altLang="ko-KR" sz="1100" dirty="0" smtClean="0">
+              <a:latin typeface="한컴 소망 B" panose="02020603020101020101" pitchFamily="18" charset="-127"/>
+              <a:ea typeface="한컴 소망 B" panose="02020603020101020101" pitchFamily="18" charset="-127"/>
+            </a:endParaRPr>
+          </a:p>
+          <a:p>
+            <a:r>
+              <a:rPr lang="ko-KR" altLang="en-US" sz="1100" dirty="0" smtClean="0">
+                <a:latin typeface="한컴 소망 B" panose="02020603020101020101" pitchFamily="18" charset="-127"/>
+                <a:ea typeface="한컴 소망 B" panose="02020603020101020101" pitchFamily="18" charset="-127"/>
+              </a:rPr>
+              <a:t>사운드</a:t>
+            </a:r>
+            <a:r>
+              <a:rPr lang="en-US" altLang="ko-KR" sz="1100" dirty="0" smtClean="0">
+                <a:latin typeface="한컴 소망 B" panose="02020603020101020101" pitchFamily="18" charset="-127"/>
+                <a:ea typeface="한컴 소망 B" panose="02020603020101020101" pitchFamily="18" charset="-127"/>
+              </a:rPr>
+              <a:t>(BGM, </a:t>
+            </a:r>
+            <a:r>
+              <a:rPr lang="ko-KR" altLang="en-US" sz="1100" dirty="0" smtClean="0">
+                <a:latin typeface="한컴 소망 B" panose="02020603020101020101" pitchFamily="18" charset="-127"/>
+                <a:ea typeface="한컴 소망 B" panose="02020603020101020101" pitchFamily="18" charset="-127"/>
+              </a:rPr>
+              <a:t>효과음</a:t>
+            </a:r>
+            <a:r>
+              <a:rPr lang="en-US" altLang="ko-KR" sz="1100" dirty="0">
+                <a:latin typeface="한컴 소망 B" panose="02020603020101020101" pitchFamily="18" charset="-127"/>
+                <a:ea typeface="한컴 소망 B" panose="02020603020101020101" pitchFamily="18" charset="-127"/>
+              </a:rPr>
+              <a:t> </a:t>
+            </a:r>
+            <a:r>
+              <a:rPr lang="ko-KR" altLang="en-US" sz="1100" dirty="0" smtClean="0">
+                <a:latin typeface="한컴 소망 B" panose="02020603020101020101" pitchFamily="18" charset="-127"/>
+                <a:ea typeface="한컴 소망 B" panose="02020603020101020101" pitchFamily="18" charset="-127"/>
+              </a:rPr>
+              <a:t>등 사운드 구현</a:t>
+            </a:r>
+            <a:r>
+              <a:rPr lang="en-US" altLang="ko-KR" sz="1100" dirty="0" smtClean="0">
+                <a:latin typeface="한컴 소망 B" panose="02020603020101020101" pitchFamily="18" charset="-127"/>
+                <a:ea typeface="한컴 소망 B" panose="02020603020101020101" pitchFamily="18" charset="-127"/>
+              </a:rPr>
+              <a:t>)</a:t>
+            </a:r>
+          </a:p>
+          <a:p>
+            <a:endParaRPr lang="en-US" altLang="ko-KR" sz="1100" dirty="0">
+              <a:latin typeface="한컴 소망 B" panose="02020603020101020101" pitchFamily="18" charset="-127"/>
+              <a:ea typeface="한컴 소망 B" panose="02020603020101020101" pitchFamily="18" charset="-127"/>
+            </a:endParaRPr>
+          </a:p>
+          <a:p>
+            <a:r>
+              <a:rPr lang="ko-KR" altLang="en-US" sz="1100" dirty="0" smtClean="0">
+                <a:latin typeface="한컴 소망 B" panose="02020603020101020101" pitchFamily="18" charset="-127"/>
+                <a:ea typeface="한컴 소망 B" panose="02020603020101020101" pitchFamily="18" charset="-127"/>
+              </a:rPr>
+              <a:t>추가 범위</a:t>
+            </a:r>
+            <a:r>
+              <a:rPr lang="en-US" altLang="ko-KR" sz="1100" dirty="0" smtClean="0">
+                <a:latin typeface="한컴 소망 B" panose="02020603020101020101" pitchFamily="18" charset="-127"/>
+                <a:ea typeface="한컴 소망 B" panose="02020603020101020101" pitchFamily="18" charset="-127"/>
+              </a:rPr>
+              <a:t>(</a:t>
+            </a:r>
+            <a:r>
+              <a:rPr lang="ko-KR" altLang="en-US" sz="1100" dirty="0" smtClean="0">
+                <a:latin typeface="한컴 소망 B" panose="02020603020101020101" pitchFamily="18" charset="-127"/>
+                <a:ea typeface="한컴 소망 B" panose="02020603020101020101" pitchFamily="18" charset="-127"/>
+              </a:rPr>
+              <a:t>보스 </a:t>
+            </a:r>
+            <a:r>
+              <a:rPr lang="ko-KR" altLang="en-US" sz="1100" dirty="0" err="1" smtClean="0">
+                <a:latin typeface="한컴 소망 B" panose="02020603020101020101" pitchFamily="18" charset="-127"/>
+                <a:ea typeface="한컴 소망 B" panose="02020603020101020101" pitchFamily="18" charset="-127"/>
+              </a:rPr>
+              <a:t>몬스터의</a:t>
+            </a:r>
+            <a:r>
+              <a:rPr lang="ko-KR" altLang="en-US" sz="1100" dirty="0" smtClean="0">
+                <a:latin typeface="한컴 소망 B" panose="02020603020101020101" pitchFamily="18" charset="-127"/>
+                <a:ea typeface="한컴 소망 B" panose="02020603020101020101" pitchFamily="18" charset="-127"/>
+              </a:rPr>
+              <a:t> 애니메이션</a:t>
+            </a:r>
+            <a:r>
+              <a:rPr lang="en-US" altLang="ko-KR" sz="1100" dirty="0" smtClean="0">
+                <a:latin typeface="한컴 소망 B" panose="02020603020101020101" pitchFamily="18" charset="-127"/>
+                <a:ea typeface="한컴 소망 B" panose="02020603020101020101" pitchFamily="18" charset="-127"/>
+              </a:rPr>
+              <a:t>, </a:t>
+            </a:r>
+            <a:endParaRPr lang="en-US" altLang="ko-KR" sz="1100" dirty="0" smtClean="0">
+              <a:latin typeface="한컴 소망 B" panose="02020603020101020101" pitchFamily="18" charset="-127"/>
+              <a:ea typeface="한컴 소망 B" panose="02020603020101020101" pitchFamily="18" charset="-127"/>
+            </a:endParaRPr>
+          </a:p>
+          <a:p>
+            <a:r>
+              <a:rPr lang="ko-KR" altLang="en-US" sz="1100" dirty="0" smtClean="0">
+                <a:latin typeface="한컴 소망 B" panose="02020603020101020101" pitchFamily="18" charset="-127"/>
+                <a:ea typeface="한컴 소망 B" panose="02020603020101020101" pitchFamily="18" charset="-127"/>
+              </a:rPr>
+              <a:t>충돌체크</a:t>
+            </a:r>
+            <a:r>
+              <a:rPr lang="en-US" altLang="ko-KR" sz="1100" dirty="0" smtClean="0">
+                <a:latin typeface="한컴 소망 B" panose="02020603020101020101" pitchFamily="18" charset="-127"/>
+                <a:ea typeface="한컴 소망 B" panose="02020603020101020101" pitchFamily="18" charset="-127"/>
+              </a:rPr>
+              <a:t>, </a:t>
+            </a:r>
+            <a:r>
+              <a:rPr lang="ko-KR" altLang="en-US" sz="1100" dirty="0" smtClean="0">
+                <a:latin typeface="한컴 소망 B" panose="02020603020101020101" pitchFamily="18" charset="-127"/>
+                <a:ea typeface="한컴 소망 B" panose="02020603020101020101" pitchFamily="18" charset="-127"/>
+              </a:rPr>
+              <a:t>효과음</a:t>
+            </a:r>
+            <a:r>
+              <a:rPr lang="en-US" altLang="ko-KR" sz="1100" dirty="0" smtClean="0">
+                <a:latin typeface="한컴 소망 B" panose="02020603020101020101" pitchFamily="18" charset="-127"/>
+                <a:ea typeface="한컴 소망 B" panose="02020603020101020101" pitchFamily="18" charset="-127"/>
+              </a:rPr>
+              <a:t>, BGM </a:t>
+            </a:r>
+            <a:r>
+              <a:rPr lang="ko-KR" altLang="en-US" sz="1100" dirty="0" smtClean="0">
+                <a:latin typeface="한컴 소망 B" panose="02020603020101020101" pitchFamily="18" charset="-127"/>
+                <a:ea typeface="한컴 소망 B" panose="02020603020101020101" pitchFamily="18" charset="-127"/>
+              </a:rPr>
+              <a:t>등</a:t>
+            </a:r>
+            <a:r>
+              <a:rPr lang="en-US" altLang="ko-KR" sz="1100" dirty="0" smtClean="0">
+                <a:latin typeface="한컴 소망 B" panose="02020603020101020101" pitchFamily="18" charset="-127"/>
+                <a:ea typeface="한컴 소망 B" panose="02020603020101020101" pitchFamily="18" charset="-127"/>
+              </a:rPr>
+              <a:t>)</a:t>
+            </a:r>
+          </a:p>
+          <a:p>
+            <a:endParaRPr lang="en-US" altLang="ko-KR" sz="1100" dirty="0">
+              <a:latin typeface="한컴 소망 B" panose="02020603020101020101" pitchFamily="18" charset="-127"/>
+              <a:ea typeface="한컴 소망 B" panose="02020603020101020101" pitchFamily="18" charset="-127"/>
+            </a:endParaRPr>
+          </a:p>
+          <a:p>
+            <a:r>
+              <a:rPr lang="en-US" altLang="ko-KR" sz="1100" dirty="0" smtClean="0">
+                <a:latin typeface="한컴 소망 B" panose="02020603020101020101" pitchFamily="18" charset="-127"/>
+                <a:ea typeface="한컴 소망 B" panose="02020603020101020101" pitchFamily="18" charset="-127"/>
+              </a:rPr>
+              <a:t>8</a:t>
+            </a:r>
+            <a:r>
+              <a:rPr lang="ko-KR" altLang="en-US" sz="1100" dirty="0" smtClean="0">
+                <a:latin typeface="한컴 소망 B" panose="02020603020101020101" pitchFamily="18" charset="-127"/>
+                <a:ea typeface="한컴 소망 B" panose="02020603020101020101" pitchFamily="18" charset="-127"/>
+              </a:rPr>
+              <a:t>주차 까지의 부족한 부분 보수 및 수정</a:t>
+            </a:r>
+            <a:r>
+              <a:rPr lang="en-US" altLang="ko-KR" sz="1100" dirty="0" smtClean="0">
                 <a:latin typeface="한컴 소망 B" panose="02020603020101020101" pitchFamily="18" charset="-127"/>
                 <a:ea typeface="한컴 소망 B" panose="02020603020101020101" pitchFamily="18" charset="-127"/>
               </a:rPr>
               <a:t>,</a:t>
             </a:r>
-          </a:p>
-          <a:p>
-            <a:r>
-              <a:rPr lang="en-US" altLang="ko-KR" sz="1600" dirty="0">
-                <a:solidFill>
-                  <a:schemeClr val="bg1"/>
-                </a:solidFill>
-                <a:latin typeface="한컴 소망 B" panose="02020603020101020101" pitchFamily="18" charset="-127"/>
-                <a:ea typeface="한컴 소망 B" panose="02020603020101020101" pitchFamily="18" charset="-127"/>
-              </a:rPr>
-              <a:t>	 </a:t>
-            </a:r>
-            <a:r>
-              <a:rPr lang="ko-KR" altLang="en-US" sz="1600" dirty="0" smtClean="0">
-                <a:solidFill>
-                  <a:schemeClr val="bg1"/>
-                </a:solidFill>
-                <a:latin typeface="한컴 소망 B" panose="02020603020101020101" pitchFamily="18" charset="-127"/>
-                <a:ea typeface="한컴 소망 B" panose="02020603020101020101" pitchFamily="18" charset="-127"/>
-              </a:rPr>
-              <a:t>캐릭터 및 </a:t>
-            </a:r>
-            <a:r>
-              <a:rPr lang="ko-KR" altLang="en-US" sz="1600" dirty="0" err="1" smtClean="0">
-                <a:solidFill>
-                  <a:schemeClr val="bg1"/>
-                </a:solidFill>
-                <a:latin typeface="한컴 소망 B" panose="02020603020101020101" pitchFamily="18" charset="-127"/>
-                <a:ea typeface="한컴 소망 B" panose="02020603020101020101" pitchFamily="18" charset="-127"/>
-              </a:rPr>
-              <a:t>몬스터와</a:t>
-            </a:r>
-            <a:r>
-              <a:rPr lang="ko-KR" altLang="en-US" sz="1600" dirty="0" smtClean="0">
-                <a:solidFill>
-                  <a:schemeClr val="bg1"/>
-                </a:solidFill>
-                <a:latin typeface="한컴 소망 B" panose="02020603020101020101" pitchFamily="18" charset="-127"/>
-                <a:ea typeface="한컴 소망 B" panose="02020603020101020101" pitchFamily="18" charset="-127"/>
-              </a:rPr>
-              <a:t> 블록 충돌</a:t>
-            </a:r>
-            <a:r>
-              <a:rPr lang="en-US" altLang="ko-KR" sz="1600" dirty="0" smtClean="0">
-                <a:solidFill>
-                  <a:schemeClr val="bg1"/>
-                </a:solidFill>
+            <a:r>
+              <a:rPr lang="ko-KR" altLang="en-US" sz="1100" dirty="0" smtClean="0">
+                <a:latin typeface="한컴 소망 B" panose="02020603020101020101" pitchFamily="18" charset="-127"/>
+                <a:ea typeface="한컴 소망 B" panose="02020603020101020101" pitchFamily="18" charset="-127"/>
+              </a:rPr>
+              <a:t>버그 수정</a:t>
+            </a:r>
+            <a:endParaRPr lang="en-US" altLang="ko-KR" sz="1100" dirty="0">
+              <a:latin typeface="한컴 소망 B" panose="02020603020101020101" pitchFamily="18" charset="-127"/>
+              <a:ea typeface="한컴 소망 B" panose="02020603020101020101" pitchFamily="18" charset="-127"/>
+            </a:endParaRPr>
+          </a:p>
+          <a:p>
+            <a:endParaRPr lang="en-US" altLang="ko-KR" sz="1100" dirty="0" smtClean="0">
+              <a:latin typeface="한컴 소망 B" panose="02020603020101020101" pitchFamily="18" charset="-127"/>
+              <a:ea typeface="한컴 소망 B" panose="02020603020101020101" pitchFamily="18" charset="-127"/>
+            </a:endParaRPr>
+          </a:p>
+          <a:p>
+            <a:endParaRPr lang="en-US" altLang="ko-KR" sz="1100" dirty="0">
+              <a:latin typeface="한컴 소망 B" panose="02020603020101020101" pitchFamily="18" charset="-127"/>
+              <a:ea typeface="한컴 소망 B" panose="02020603020101020101" pitchFamily="18" charset="-127"/>
+            </a:endParaRPr>
+          </a:p>
+          <a:p>
+            <a:r>
+              <a:rPr lang="ko-KR" altLang="en-US" sz="1100" dirty="0" smtClean="0">
+                <a:latin typeface="한컴 소망 B" panose="02020603020101020101" pitchFamily="18" charset="-127"/>
+                <a:ea typeface="한컴 소망 B" panose="02020603020101020101" pitchFamily="18" charset="-127"/>
+              </a:rPr>
+              <a:t>최종 </a:t>
+            </a:r>
+            <a:r>
+              <a:rPr lang="ko-KR" altLang="en-US" sz="1100" dirty="0" smtClean="0">
+                <a:latin typeface="한컴 소망 B" panose="02020603020101020101" pitchFamily="18" charset="-127"/>
+                <a:ea typeface="한컴 소망 B" panose="02020603020101020101" pitchFamily="18" charset="-127"/>
+              </a:rPr>
+              <a:t>점검</a:t>
+            </a:r>
+            <a:r>
+              <a:rPr lang="en-US" altLang="ko-KR" sz="1100" dirty="0" smtClean="0">
+                <a:latin typeface="한컴 소망 B" panose="02020603020101020101" pitchFamily="18" charset="-127"/>
+                <a:ea typeface="한컴 소망 B" panose="02020603020101020101" pitchFamily="18" charset="-127"/>
+              </a:rPr>
+              <a:t>(</a:t>
+            </a:r>
+            <a:r>
+              <a:rPr lang="ko-KR" altLang="en-US" sz="1100" dirty="0" smtClean="0">
+                <a:latin typeface="한컴 소망 B" panose="02020603020101020101" pitchFamily="18" charset="-127"/>
+                <a:ea typeface="한컴 소망 B" panose="02020603020101020101" pitchFamily="18" charset="-127"/>
+              </a:rPr>
+              <a:t>최종 점검 및 </a:t>
+            </a:r>
+            <a:r>
+              <a:rPr lang="ko-KR" altLang="en-US" sz="1100" dirty="0" err="1" smtClean="0">
+                <a:latin typeface="한컴 소망 B" panose="02020603020101020101" pitchFamily="18" charset="-127"/>
+                <a:ea typeface="한컴 소망 B" panose="02020603020101020101" pitchFamily="18" charset="-127"/>
+              </a:rPr>
+              <a:t>릴리즈</a:t>
+            </a:r>
+            <a:r>
+              <a:rPr lang="en-US" altLang="ko-KR" sz="1100" dirty="0" smtClean="0">
                 <a:latin typeface="한컴 소망 B" panose="02020603020101020101" pitchFamily="18" charset="-127"/>
                 <a:ea typeface="한컴 소망 B" panose="02020603020101020101" pitchFamily="18" charset="-127"/>
               </a:rPr>
               <a:t>)</a:t>
             </a:r>
           </a:p>
-          <a:p>
-            <a:r>
-              <a:rPr lang="ko-KR" altLang="en-US" sz="1600" dirty="0" smtClean="0">
-                <a:solidFill>
-                  <a:schemeClr val="bg1"/>
-                </a:solidFill>
-                <a:latin typeface="한컴 소망 B" panose="02020603020101020101" pitchFamily="18" charset="-127"/>
-                <a:ea typeface="한컴 소망 B" panose="02020603020101020101" pitchFamily="18" charset="-127"/>
-              </a:rPr>
-              <a:t>중간 점검</a:t>
-            </a:r>
-            <a:r>
-              <a:rPr lang="en-US" altLang="ko-KR" sz="1600" dirty="0" smtClean="0">
-                <a:solidFill>
-                  <a:schemeClr val="bg1"/>
-                </a:solidFill>
-                <a:latin typeface="한컴 소망 B" panose="02020603020101020101" pitchFamily="18" charset="-127"/>
-                <a:ea typeface="한컴 소망 B" panose="02020603020101020101" pitchFamily="18" charset="-127"/>
-              </a:rPr>
-              <a:t>(1~5</a:t>
-            </a:r>
-            <a:r>
-              <a:rPr lang="ko-KR" altLang="en-US" sz="1600" dirty="0" smtClean="0">
-                <a:solidFill>
-                  <a:schemeClr val="bg1"/>
-                </a:solidFill>
-                <a:latin typeface="한컴 소망 B" panose="02020603020101020101" pitchFamily="18" charset="-127"/>
-                <a:ea typeface="한컴 소망 B" panose="02020603020101020101" pitchFamily="18" charset="-127"/>
-              </a:rPr>
-              <a:t>주차에서 부족한 부분 보수 및 수정</a:t>
-            </a:r>
-            <a:r>
-              <a:rPr lang="en-US" altLang="ko-KR" sz="1600" dirty="0" smtClean="0">
-                <a:solidFill>
-                  <a:schemeClr val="bg1"/>
-                </a:solidFill>
-                <a:latin typeface="한컴 소망 B" panose="02020603020101020101" pitchFamily="18" charset="-127"/>
-                <a:ea typeface="한컴 소망 B" panose="02020603020101020101" pitchFamily="18" charset="-127"/>
-              </a:rPr>
-              <a:t>)</a:t>
-            </a:r>
-          </a:p>
-          <a:p>
-            <a:endParaRPr lang="en-US" altLang="ko-KR" sz="1600" dirty="0">
-              <a:solidFill>
-                <a:schemeClr val="bg1"/>
-              </a:solidFill>
-              <a:latin typeface="한컴 소망 B" panose="02020603020101020101" pitchFamily="18" charset="-127"/>
-              <a:ea typeface="한컴 소망 B" panose="02020603020101020101" pitchFamily="18" charset="-127"/>
-            </a:endParaRPr>
-          </a:p>
-          <a:p>
-            <a:r>
-              <a:rPr lang="ko-KR" altLang="en-US" sz="1600" dirty="0" smtClean="0">
-                <a:solidFill>
-                  <a:schemeClr val="bg1"/>
-                </a:solidFill>
-                <a:latin typeface="한컴 소망 B" panose="02020603020101020101" pitchFamily="18" charset="-127"/>
-                <a:ea typeface="한컴 소망 B" panose="02020603020101020101" pitchFamily="18" charset="-127"/>
-              </a:rPr>
-              <a:t>사운드</a:t>
-            </a:r>
-            <a:r>
-              <a:rPr lang="en-US" altLang="ko-KR" sz="1600" dirty="0" smtClean="0">
-                <a:solidFill>
-                  <a:schemeClr val="bg1"/>
-                </a:solidFill>
-                <a:latin typeface="한컴 소망 B" panose="02020603020101020101" pitchFamily="18" charset="-127"/>
-                <a:ea typeface="한컴 소망 B" panose="02020603020101020101" pitchFamily="18" charset="-127"/>
-              </a:rPr>
-              <a:t>(BGM, </a:t>
-            </a:r>
-            <a:r>
-              <a:rPr lang="ko-KR" altLang="en-US" sz="1600" dirty="0" smtClean="0">
-                <a:solidFill>
-                  <a:schemeClr val="bg1"/>
-                </a:solidFill>
-                <a:latin typeface="한컴 소망 B" panose="02020603020101020101" pitchFamily="18" charset="-127"/>
-                <a:ea typeface="한컴 소망 B" panose="02020603020101020101" pitchFamily="18" charset="-127"/>
-              </a:rPr>
-              <a:t>효과음</a:t>
-            </a:r>
-            <a:r>
-              <a:rPr lang="en-US" altLang="ko-KR" sz="1600" dirty="0">
-                <a:solidFill>
-                  <a:schemeClr val="bg1"/>
-                </a:solidFill>
-                <a:latin typeface="한컴 소망 B" panose="02020603020101020101" pitchFamily="18" charset="-127"/>
-                <a:ea typeface="한컴 소망 B" panose="02020603020101020101" pitchFamily="18" charset="-127"/>
-              </a:rPr>
-              <a:t> </a:t>
-            </a:r>
-            <a:r>
-              <a:rPr lang="ko-KR" altLang="en-US" sz="1600" dirty="0" smtClean="0">
-                <a:solidFill>
-                  <a:schemeClr val="bg1"/>
-                </a:solidFill>
-                <a:latin typeface="한컴 소망 B" panose="02020603020101020101" pitchFamily="18" charset="-127"/>
-                <a:ea typeface="한컴 소망 B" panose="02020603020101020101" pitchFamily="18" charset="-127"/>
-              </a:rPr>
-              <a:t>등 사운드 구현</a:t>
-            </a:r>
-            <a:r>
-              <a:rPr lang="en-US" altLang="ko-KR" sz="1600" dirty="0" smtClean="0">
-                <a:solidFill>
-                  <a:schemeClr val="bg1"/>
-                </a:solidFill>
-                <a:latin typeface="한컴 소망 B" panose="02020603020101020101" pitchFamily="18" charset="-127"/>
-                <a:ea typeface="한컴 소망 B" panose="02020603020101020101" pitchFamily="18" charset="-127"/>
-              </a:rPr>
-              <a:t>)</a:t>
-            </a:r>
-          </a:p>
-          <a:p>
-            <a:endParaRPr lang="en-US" altLang="ko-KR" sz="1600" dirty="0">
-              <a:solidFill>
-                <a:schemeClr val="bg1"/>
-              </a:solidFill>
-              <a:latin typeface="한컴 소망 B" panose="02020603020101020101" pitchFamily="18" charset="-127"/>
-              <a:ea typeface="한컴 소망 B" panose="02020603020101020101" pitchFamily="18" charset="-127"/>
-            </a:endParaRPr>
-          </a:p>
-          <a:p>
-            <a:r>
-              <a:rPr lang="ko-KR" altLang="en-US" sz="1600" dirty="0" smtClean="0">
-                <a:solidFill>
-                  <a:schemeClr val="bg1"/>
-                </a:solidFill>
-                <a:latin typeface="한컴 소망 B" panose="02020603020101020101" pitchFamily="18" charset="-127"/>
-                <a:ea typeface="한컴 소망 B" panose="02020603020101020101" pitchFamily="18" charset="-127"/>
-              </a:rPr>
-              <a:t>추가 범위</a:t>
-            </a:r>
-            <a:r>
-              <a:rPr lang="en-US" altLang="ko-KR" sz="1600" dirty="0" smtClean="0">
-                <a:solidFill>
-                  <a:schemeClr val="bg1"/>
-                </a:solidFill>
-                <a:latin typeface="한컴 소망 B" panose="02020603020101020101" pitchFamily="18" charset="-127"/>
-                <a:ea typeface="한컴 소망 B" panose="02020603020101020101" pitchFamily="18" charset="-127"/>
-              </a:rPr>
-              <a:t>(</a:t>
-            </a:r>
-            <a:r>
-              <a:rPr lang="ko-KR" altLang="en-US" sz="1600" dirty="0" smtClean="0">
-                <a:solidFill>
-                  <a:schemeClr val="bg1"/>
-                </a:solidFill>
-                <a:latin typeface="한컴 소망 B" panose="02020603020101020101" pitchFamily="18" charset="-127"/>
-                <a:ea typeface="한컴 소망 B" panose="02020603020101020101" pitchFamily="18" charset="-127"/>
-              </a:rPr>
-              <a:t>보스 </a:t>
-            </a:r>
-            <a:r>
-              <a:rPr lang="ko-KR" altLang="en-US" sz="1600" dirty="0" err="1" smtClean="0">
-                <a:solidFill>
-                  <a:schemeClr val="bg1"/>
-                </a:solidFill>
-                <a:latin typeface="한컴 소망 B" panose="02020603020101020101" pitchFamily="18" charset="-127"/>
-                <a:ea typeface="한컴 소망 B" panose="02020603020101020101" pitchFamily="18" charset="-127"/>
-              </a:rPr>
-              <a:t>몬스터의</a:t>
-            </a:r>
-            <a:r>
-              <a:rPr lang="ko-KR" altLang="en-US" sz="1600" dirty="0" smtClean="0">
-                <a:solidFill>
-                  <a:schemeClr val="bg1"/>
-                </a:solidFill>
-                <a:latin typeface="한컴 소망 B" panose="02020603020101020101" pitchFamily="18" charset="-127"/>
-                <a:ea typeface="한컴 소망 B" panose="02020603020101020101" pitchFamily="18" charset="-127"/>
-              </a:rPr>
-              <a:t> 애니메이션</a:t>
-            </a:r>
-            <a:r>
-              <a:rPr lang="en-US" altLang="ko-KR" sz="1600" dirty="0" smtClean="0">
-                <a:solidFill>
-                  <a:schemeClr val="bg1"/>
-                </a:solidFill>
-                <a:latin typeface="한컴 소망 B" panose="02020603020101020101" pitchFamily="18" charset="-127"/>
-                <a:ea typeface="한컴 소망 B" panose="02020603020101020101" pitchFamily="18" charset="-127"/>
-              </a:rPr>
-              <a:t>, </a:t>
-            </a:r>
-            <a:r>
-              <a:rPr lang="ko-KR" altLang="en-US" sz="1600" dirty="0" smtClean="0">
-                <a:solidFill>
-                  <a:schemeClr val="bg1"/>
-                </a:solidFill>
-                <a:latin typeface="한컴 소망 B" panose="02020603020101020101" pitchFamily="18" charset="-127"/>
-                <a:ea typeface="한컴 소망 B" panose="02020603020101020101" pitchFamily="18" charset="-127"/>
-              </a:rPr>
-              <a:t>충돌체크</a:t>
-            </a:r>
-            <a:r>
-              <a:rPr lang="en-US" altLang="ko-KR" sz="1600" dirty="0" smtClean="0">
-                <a:solidFill>
-                  <a:schemeClr val="bg1"/>
-                </a:solidFill>
-                <a:latin typeface="한컴 소망 B" panose="02020603020101020101" pitchFamily="18" charset="-127"/>
-                <a:ea typeface="한컴 소망 B" panose="02020603020101020101" pitchFamily="18" charset="-127"/>
-              </a:rPr>
-              <a:t>, </a:t>
-            </a:r>
-            <a:r>
-              <a:rPr lang="ko-KR" altLang="en-US" sz="1600" dirty="0" smtClean="0">
-                <a:solidFill>
-                  <a:schemeClr val="bg1"/>
-                </a:solidFill>
-                <a:latin typeface="한컴 소망 B" panose="02020603020101020101" pitchFamily="18" charset="-127"/>
-                <a:ea typeface="한컴 소망 B" panose="02020603020101020101" pitchFamily="18" charset="-127"/>
-              </a:rPr>
-              <a:t>효과음</a:t>
-            </a:r>
-            <a:r>
-              <a:rPr lang="en-US" altLang="ko-KR" sz="1600" dirty="0" smtClean="0">
-                <a:solidFill>
-                  <a:schemeClr val="bg1"/>
-                </a:solidFill>
-                <a:latin typeface="한컴 소망 B" panose="02020603020101020101" pitchFamily="18" charset="-127"/>
-                <a:ea typeface="한컴 소망 B" panose="02020603020101020101" pitchFamily="18" charset="-127"/>
-              </a:rPr>
-              <a:t>, BGM </a:t>
-            </a:r>
-            <a:r>
-              <a:rPr lang="ko-KR" altLang="en-US" sz="1600" dirty="0" smtClean="0">
-                <a:solidFill>
-                  <a:schemeClr val="bg1"/>
-                </a:solidFill>
-                <a:latin typeface="한컴 소망 B" panose="02020603020101020101" pitchFamily="18" charset="-127"/>
-                <a:ea typeface="한컴 소망 B" panose="02020603020101020101" pitchFamily="18" charset="-127"/>
-              </a:rPr>
-              <a:t>등</a:t>
-            </a:r>
-            <a:r>
-              <a:rPr lang="en-US" altLang="ko-KR" sz="1600" dirty="0" smtClean="0">
-                <a:solidFill>
-                  <a:schemeClr val="bg1"/>
-                </a:solidFill>
-                <a:latin typeface="한컴 소망 B" panose="02020603020101020101" pitchFamily="18" charset="-127"/>
-                <a:ea typeface="한컴 소망 B" panose="02020603020101020101" pitchFamily="18" charset="-127"/>
-              </a:rPr>
-              <a:t>)</a:t>
-            </a:r>
-          </a:p>
-          <a:p>
-            <a:endParaRPr lang="en-US" altLang="ko-KR" sz="1600" dirty="0">
-              <a:solidFill>
-                <a:schemeClr val="bg1"/>
-              </a:solidFill>
-              <a:latin typeface="한컴 소망 B" panose="02020603020101020101" pitchFamily="18" charset="-127"/>
-              <a:ea typeface="한컴 소망 B" panose="02020603020101020101" pitchFamily="18" charset="-127"/>
-            </a:endParaRPr>
-          </a:p>
-          <a:p>
-            <a:r>
-              <a:rPr lang="en-US" altLang="ko-KR" sz="1600" dirty="0" smtClean="0">
-                <a:solidFill>
-                  <a:schemeClr val="bg1"/>
-                </a:solidFill>
-                <a:latin typeface="한컴 소망 B" panose="02020603020101020101" pitchFamily="18" charset="-127"/>
-                <a:ea typeface="한컴 소망 B" panose="02020603020101020101" pitchFamily="18" charset="-127"/>
-              </a:rPr>
-              <a:t>8</a:t>
-            </a:r>
-            <a:r>
-              <a:rPr lang="ko-KR" altLang="en-US" sz="1600" dirty="0" smtClean="0">
-                <a:solidFill>
-                  <a:schemeClr val="bg1"/>
-                </a:solidFill>
-                <a:latin typeface="한컴 소망 B" panose="02020603020101020101" pitchFamily="18" charset="-127"/>
-                <a:ea typeface="한컴 소망 B" panose="02020603020101020101" pitchFamily="18" charset="-127"/>
-              </a:rPr>
-              <a:t>주차 까지의 부족한 부분 보수 및 수정</a:t>
-            </a:r>
-            <a:r>
-              <a:rPr lang="en-US" altLang="ko-KR" sz="1600" dirty="0" smtClean="0">
-                <a:solidFill>
-                  <a:schemeClr val="bg1"/>
-                </a:solidFill>
-                <a:latin typeface="한컴 소망 B" panose="02020603020101020101" pitchFamily="18" charset="-127"/>
-                <a:ea typeface="한컴 소망 B" panose="02020603020101020101" pitchFamily="18" charset="-127"/>
-              </a:rPr>
-              <a:t>, </a:t>
-            </a:r>
-            <a:r>
-              <a:rPr lang="ko-KR" altLang="en-US" sz="1600" dirty="0" smtClean="0">
-                <a:solidFill>
-                  <a:schemeClr val="bg1"/>
-                </a:solidFill>
-                <a:latin typeface="한컴 소망 B" panose="02020603020101020101" pitchFamily="18" charset="-127"/>
-                <a:ea typeface="한컴 소망 B" panose="02020603020101020101" pitchFamily="18" charset="-127"/>
-              </a:rPr>
-              <a:t>버그 수정</a:t>
-            </a:r>
-            <a:endParaRPr lang="en-US" altLang="ko-KR" sz="1600" dirty="0" smtClean="0">
-              <a:solidFill>
-                <a:schemeClr val="bg1"/>
-              </a:solidFill>
-              <a:latin typeface="한컴 소망 B" panose="02020603020101020101" pitchFamily="18" charset="-127"/>
-              <a:ea typeface="한컴 소망 B" panose="02020603020101020101" pitchFamily="18" charset="-127"/>
-            </a:endParaRPr>
-          </a:p>
-          <a:p>
-            <a:endParaRPr lang="en-US" altLang="ko-KR" sz="1600" dirty="0">
-              <a:solidFill>
-                <a:schemeClr val="bg1"/>
-              </a:solidFill>
-              <a:latin typeface="한컴 소망 B" panose="02020603020101020101" pitchFamily="18" charset="-127"/>
-              <a:ea typeface="한컴 소망 B" panose="02020603020101020101" pitchFamily="18" charset="-127"/>
-            </a:endParaRPr>
-          </a:p>
-          <a:p>
-            <a:r>
-              <a:rPr lang="ko-KR" altLang="en-US" sz="1600" dirty="0" smtClean="0">
-                <a:solidFill>
-                  <a:schemeClr val="bg1"/>
-                </a:solidFill>
-                <a:latin typeface="한컴 소망 B" panose="02020603020101020101" pitchFamily="18" charset="-127"/>
-                <a:ea typeface="한컴 소망 B" panose="02020603020101020101" pitchFamily="18" charset="-127"/>
-              </a:rPr>
-              <a:t>최종 점검</a:t>
-            </a:r>
-            <a:r>
-              <a:rPr lang="en-US" altLang="ko-KR" sz="1600" dirty="0" smtClean="0">
-                <a:solidFill>
-                  <a:schemeClr val="bg1"/>
-                </a:solidFill>
-                <a:latin typeface="한컴 소망 B" panose="02020603020101020101" pitchFamily="18" charset="-127"/>
-                <a:ea typeface="한컴 소망 B" panose="02020603020101020101" pitchFamily="18" charset="-127"/>
-              </a:rPr>
-              <a:t>(</a:t>
-            </a:r>
-            <a:r>
-              <a:rPr lang="ko-KR" altLang="en-US" sz="1600" dirty="0" smtClean="0">
-                <a:solidFill>
-                  <a:schemeClr val="bg1"/>
-                </a:solidFill>
-                <a:latin typeface="한컴 소망 B" panose="02020603020101020101" pitchFamily="18" charset="-127"/>
-                <a:ea typeface="한컴 소망 B" panose="02020603020101020101" pitchFamily="18" charset="-127"/>
-              </a:rPr>
-              <a:t>최종 점검 및 </a:t>
-            </a:r>
-            <a:r>
-              <a:rPr lang="ko-KR" altLang="en-US" sz="1600" dirty="0" err="1" smtClean="0">
-                <a:solidFill>
-                  <a:schemeClr val="bg1"/>
-                </a:solidFill>
-                <a:latin typeface="한컴 소망 B" panose="02020603020101020101" pitchFamily="18" charset="-127"/>
-                <a:ea typeface="한컴 소망 B" panose="02020603020101020101" pitchFamily="18" charset="-127"/>
-              </a:rPr>
-              <a:t>릴리즈</a:t>
-            </a:r>
-            <a:r>
-              <a:rPr lang="en-US" altLang="ko-KR" sz="1600" dirty="0" smtClean="0">
-                <a:solidFill>
-                  <a:schemeClr val="bg1"/>
-                </a:solidFill>
-                <a:latin typeface="한컴 소망 B" panose="02020603020101020101" pitchFamily="18" charset="-127"/>
-                <a:ea typeface="한컴 소망 B" panose="02020603020101020101" pitchFamily="18" charset="-127"/>
-              </a:rPr>
-              <a:t>)</a:t>
+        </p:txBody>
+      </p:sp>
+      <p:sp>
+        <p:nvSpPr>
+          <p:cNvPr id="5" name="직사각형 4"/>
+          <p:cNvSpPr/>
+          <p:nvPr/>
+        </p:nvSpPr>
+        <p:spPr>
+          <a:xfrm>
+            <a:off x="2519772" y="1516142"/>
+            <a:ext cx="648072" cy="369332"/>
+          </a:xfrm>
+          <a:prstGeom prst="rect">
+            <a:avLst/>
+          </a:prstGeom>
+          <a:solidFill>
+            <a:schemeClr val="tx1"/>
+          </a:solidFill>
+          <a:ln>
+            <a:solidFill>
+              <a:schemeClr val="tx1"/>
+            </a:solidFill>
+          </a:ln>
+        </p:spPr>
+        <p:style>
+          <a:lnRef idx="2">
+            <a:schemeClr val="accent1">
+              <a:shade val="50000"/>
+            </a:schemeClr>
+          </a:lnRef>
+          <a:fillRef idx="1">
+            <a:schemeClr val="accent1"/>
+          </a:fillRef>
+          <a:effectRef idx="0">
+            <a:schemeClr val="accent1"/>
+          </a:effectRef>
+          <a:fontRef idx="minor">
+            <a:schemeClr val="lt1"/>
+          </a:fontRef>
+        </p:style>
+        <p:txBody>
+          <a:bodyPr rtlCol="0" anchor="ctr"/>
+          <a:lstStyle/>
+          <a:p>
+            <a:pPr algn="ctr"/>
+            <a:endParaRPr lang="ko-KR" altLang="en-US"/>
+          </a:p>
+        </p:txBody>
+      </p:sp>
+      <p:sp>
+        <p:nvSpPr>
+          <p:cNvPr id="4" name="TextBox 3"/>
+          <p:cNvSpPr txBox="1"/>
+          <p:nvPr/>
+        </p:nvSpPr>
+        <p:spPr>
+          <a:xfrm>
+            <a:off x="2519772" y="1516142"/>
+            <a:ext cx="972108" cy="369332"/>
+          </a:xfrm>
+          <a:prstGeom prst="rect">
+            <a:avLst/>
+          </a:prstGeom>
+          <a:noFill/>
+        </p:spPr>
+        <p:txBody>
+          <a:bodyPr wrap="square" rtlCol="0">
+            <a:spAutoFit/>
+          </a:bodyPr>
+          <a:lstStyle/>
+          <a:p>
+            <a:r>
+              <a:rPr lang="ko-KR" altLang="en-US" b="1" dirty="0" smtClean="0">
+                <a:solidFill>
+                  <a:schemeClr val="bg1"/>
+                </a:solidFill>
+              </a:rPr>
+              <a:t>계획</a:t>
+            </a:r>
+            <a:endParaRPr lang="ko-KR" altLang="en-US" b="1" dirty="0">
+              <a:solidFill>
+                <a:schemeClr val="bg1"/>
+              </a:solidFill>
+            </a:endParaRPr>
+          </a:p>
+        </p:txBody>
+      </p:sp>
+      <p:sp>
+        <p:nvSpPr>
+          <p:cNvPr id="16" name="직사각형 15"/>
+          <p:cNvSpPr/>
+          <p:nvPr/>
+        </p:nvSpPr>
+        <p:spPr>
+          <a:xfrm>
+            <a:off x="6660232" y="1494197"/>
+            <a:ext cx="648072" cy="369332"/>
+          </a:xfrm>
+          <a:prstGeom prst="rect">
+            <a:avLst/>
+          </a:prstGeom>
+          <a:solidFill>
+            <a:schemeClr val="tx1"/>
+          </a:solidFill>
+          <a:ln>
+            <a:solidFill>
+              <a:schemeClr val="tx1"/>
+            </a:solidFill>
+          </a:ln>
+        </p:spPr>
+        <p:style>
+          <a:lnRef idx="2">
+            <a:schemeClr val="accent1">
+              <a:shade val="50000"/>
+            </a:schemeClr>
+          </a:lnRef>
+          <a:fillRef idx="1">
+            <a:schemeClr val="accent1"/>
+          </a:fillRef>
+          <a:effectRef idx="0">
+            <a:schemeClr val="accent1"/>
+          </a:effectRef>
+          <a:fontRef idx="minor">
+            <a:schemeClr val="lt1"/>
+          </a:fontRef>
+        </p:style>
+        <p:txBody>
+          <a:bodyPr rtlCol="0" anchor="ctr"/>
+          <a:lstStyle/>
+          <a:p>
+            <a:pPr algn="ctr"/>
+            <a:endParaRPr lang="ko-KR" altLang="en-US"/>
+          </a:p>
+        </p:txBody>
+      </p:sp>
+      <p:sp>
+        <p:nvSpPr>
+          <p:cNvPr id="15" name="TextBox 14"/>
+          <p:cNvSpPr txBox="1"/>
+          <p:nvPr/>
+        </p:nvSpPr>
+        <p:spPr>
+          <a:xfrm>
+            <a:off x="6696236" y="1463893"/>
+            <a:ext cx="972108" cy="369332"/>
+          </a:xfrm>
+          <a:prstGeom prst="rect">
+            <a:avLst/>
+          </a:prstGeom>
+          <a:noFill/>
+        </p:spPr>
+        <p:txBody>
+          <a:bodyPr wrap="square" rtlCol="0">
+            <a:spAutoFit/>
+          </a:bodyPr>
+          <a:lstStyle/>
+          <a:p>
+            <a:r>
+              <a:rPr lang="ko-KR" altLang="en-US" b="1" dirty="0" smtClean="0">
+                <a:solidFill>
+                  <a:schemeClr val="bg1"/>
+                </a:solidFill>
+              </a:rPr>
+              <a:t>결</a:t>
+            </a:r>
+            <a:r>
+              <a:rPr lang="ko-KR" altLang="en-US" b="1" dirty="0">
+                <a:solidFill>
+                  <a:schemeClr val="bg1"/>
+                </a:solidFill>
+              </a:rPr>
+              <a:t>과</a:t>
             </a:r>
           </a:p>
         </p:txBody>
@@ -8193,7 +9615,7 @@
         <p:spPr>
           <a:xfrm>
             <a:off x="395536" y="756007"/>
-            <a:ext cx="2520280" cy="707886"/>
+            <a:ext cx="7776864" cy="707886"/>
           </a:xfrm>
           <a:prstGeom prst="rect">
             <a:avLst/>
@@ -8207,7 +9629,7 @@
           <a:lstStyle/>
           <a:p>
             <a:r>
-              <a:rPr lang="ko-KR" altLang="en-US" sz="4000" dirty="0" smtClean="0">
+              <a:rPr lang="en-US" altLang="ko-KR" sz="4000" dirty="0" smtClean="0">
                 <a:solidFill>
                   <a:schemeClr val="tx2">
                     <a:lumMod val="60000"/>
@@ -8217,7 +9639,20 @@
                 <a:latin typeface="한컴 소망 B" panose="02020603020101020101" pitchFamily="18" charset="-127"/>
                 <a:ea typeface="한컴 소망 B" panose="02020603020101020101" pitchFamily="18" charset="-127"/>
               </a:rPr>
-              <a:t>자체 평가</a:t>
+              <a:t>GitHub Commits </a:t>
+            </a:r>
+            <a:r>
+              <a:rPr lang="ko-KR" altLang="en-US" sz="4000" dirty="0" smtClean="0">
+                <a:solidFill>
+                  <a:schemeClr val="tx2">
+                    <a:lumMod val="60000"/>
+                    <a:lumOff val="40000"/>
+                  </a:schemeClr>
+                </a:solidFill>
+                <a:latin typeface="한컴 소망 B" panose="02020603020101020101" pitchFamily="18" charset="-127"/>
+                <a:ea typeface="한컴 소망 B" panose="02020603020101020101" pitchFamily="18" charset="-127"/>
+              </a:rPr>
+              <a:t>통계</a:t>
             </a:r>
             <a:endParaRPr lang="ko-KR" altLang="en-US" sz="4000" dirty="0">
               <a:solidFill>
@@ -8271,12 +9706,189 @@
               <a:t>게임프로그래밍 </a:t>
             </a:r>
             <a:r>
+              <a:rPr lang="en-US" altLang="ko-KR" dirty="0">
+                <a:solidFill>
+                  <a:schemeClr val="bg1"/>
+                </a:solidFill>
+              </a:rPr>
+              <a:t>2</a:t>
+            </a:r>
+            <a:r>
+              <a:rPr lang="ko-KR" altLang="en-US" dirty="0" err="1" smtClean="0">
+                <a:solidFill>
+                  <a:schemeClr val="bg1"/>
+                </a:solidFill>
+              </a:rPr>
+              <a:t>차발표</a:t>
+            </a:r>
+            <a:endParaRPr lang="ko-KR" altLang="en-US" dirty="0">
+              <a:solidFill>
+                <a:schemeClr val="bg1"/>
+              </a:solidFill>
+            </a:endParaRPr>
+          </a:p>
+        </p:txBody>
+      </p:sp>
+      <p:pic>
+        <p:nvPicPr>
+          <p:cNvPr id="10" name="그림 9"/>
+          <p:cNvPicPr>
+            <a:picLocks noChangeAspect="1"/>
+          </p:cNvPicPr>
+          <p:nvPr/>
+        </p:nvPicPr>
+        <p:blipFill>
+          <a:blip r:embed="rId2">
+            <a:extLst>
+              <a:ext uri="{28A0092B-C50C-407E-A947-70E740481C1C}">
+                <a14:useLocalDpi xmlns:a14="http://schemas.microsoft.com/office/drawing/2010/main" val="0"/>
+              </a:ext>
+            </a:extLst>
+          </a:blip>
+          <a:stretch>
+            <a:fillRect/>
+          </a:stretch>
+        </p:blipFill>
+        <p:spPr>
+          <a:xfrm>
+            <a:off x="179512" y="1628800"/>
+            <a:ext cx="8820472" cy="4521686"/>
+          </a:xfrm>
+          <a:prstGeom prst="rect">
+            <a:avLst/>
+          </a:prstGeom>
+        </p:spPr>
+      </p:pic>
+    </p:spTree>
+    <p:extLst>
+      <p:ext uri="{BB962C8B-B14F-4D97-AF65-F5344CB8AC3E}">
+        <p14:creationId xmlns:p14="http://schemas.microsoft.com/office/powerpoint/2010/main" val="2313555587"/>
+      </p:ext>
+    </p:extLst>
+  </p:cSld>
+  <p:clrMapOvr>
+    <a:masterClrMapping/>
+  </p:clrMapOvr>
+  <p:timing>
+    <p:tnLst>
+      <p:par>
+        <p:cTn id="1" dur="indefinite" restart="never" nodeType="tmRoot"/>
+      </p:par>
+    </p:tnLst>
+  </p:timing>
+</p:sld>
+</file>
+
+<file path=ppt/slides/slide9.xml><?xml version="1.0" encoding="utf-8"?>
+<p:sld xmlns:a="http://schemas.openxmlformats.org/drawingml/2006/main" xmlns:r="http://schemas.openxmlformats.org/officeDocument/2006/relationships" xmlns:p="http://schemas.openxmlformats.org/presentationml/2006/main">
+  <p:cSld>
+    <p:spTree>
+      <p:nvGrpSpPr>
+        <p:cNvPr id="1" name=""/>
+        <p:cNvGrpSpPr/>
+        <p:nvPr/>
+      </p:nvGrpSpPr>
+      <p:grpSpPr>
+        <a:xfrm>
+          <a:off x="0" y="0"/>
+          <a:ext cx="0" cy="0"/>
+          <a:chOff x="0" y="0"/>
+          <a:chExt cx="0" cy="0"/>
+        </a:xfrm>
+      </p:grpSpPr>
+      <p:sp>
+        <p:nvSpPr>
+          <p:cNvPr id="6" name="TextBox 5"/>
+          <p:cNvSpPr txBox="1"/>
+          <p:nvPr/>
+        </p:nvSpPr>
+        <p:spPr>
+          <a:xfrm>
+            <a:off x="395536" y="756007"/>
+            <a:ext cx="2520280" cy="707886"/>
+          </a:xfrm>
+          <a:prstGeom prst="rect">
+            <a:avLst/>
+          </a:prstGeom>
+          <a:noFill/>
+        </p:spPr>
+        <p:txBody>
+          <a:bodyPr wrap="square" rtlCol="0">
+            <a:spAutoFit/>
+          </a:bodyPr>
+          <a:lstStyle/>
+          <a:p>
+            <a:r>
+              <a:rPr lang="ko-KR" altLang="en-US" sz="4000" dirty="0" smtClean="0">
+                <a:solidFill>
+                  <a:schemeClr val="tx2">
+                    <a:lumMod val="60000"/>
+                    <a:lumOff val="40000"/>
+                  </a:schemeClr>
+                </a:solidFill>
+                <a:latin typeface="한컴 소망 B" panose="02020603020101020101" pitchFamily="18" charset="-127"/>
+                <a:ea typeface="한컴 소망 B" panose="02020603020101020101" pitchFamily="18" charset="-127"/>
+              </a:rPr>
+              <a:t>자체 평가</a:t>
+            </a:r>
+            <a:endParaRPr lang="ko-KR" altLang="en-US" sz="4000" dirty="0">
+              <a:solidFill>
+                <a:schemeClr val="tx2">
+                  <a:lumMod val="60000"/>
+                  <a:lumOff val="40000"/>
+                </a:schemeClr>
+              </a:solidFill>
+              <a:latin typeface="한컴 소망 B" panose="02020603020101020101" pitchFamily="18" charset="-127"/>
+              <a:ea typeface="한컴 소망 B" panose="02020603020101020101" pitchFamily="18" charset="-127"/>
+            </a:endParaRPr>
+          </a:p>
+        </p:txBody>
+      </p:sp>
+      <p:sp>
+        <p:nvSpPr>
+          <p:cNvPr id="13" name="TextBox 12"/>
+          <p:cNvSpPr txBox="1"/>
+          <p:nvPr/>
+        </p:nvSpPr>
+        <p:spPr>
+          <a:xfrm>
+            <a:off x="-1" y="0"/>
+            <a:ext cx="2993127" cy="369332"/>
+          </a:xfrm>
+          <a:prstGeom prst="rect">
+            <a:avLst/>
+          </a:prstGeom>
+          <a:noFill/>
+        </p:spPr>
+        <p:txBody>
+          <a:bodyPr wrap="none" rtlCol="0">
+            <a:spAutoFit/>
+          </a:bodyPr>
+          <a:lstStyle/>
+          <a:p>
+            <a:r>
               <a:rPr lang="en-US" altLang="ko-KR" dirty="0" smtClean="0">
                 <a:solidFill>
                   <a:schemeClr val="bg1"/>
                 </a:solidFill>
               </a:rPr>
-              <a:t>1</a:t>
+              <a:t>2D</a:t>
+            </a:r>
+            <a:r>
+              <a:rPr lang="ko-KR" altLang="en-US" dirty="0" smtClean="0">
+                <a:solidFill>
+                  <a:schemeClr val="bg1"/>
+                </a:solidFill>
+              </a:rPr>
+              <a:t>게임프로그래밍 </a:t>
+            </a:r>
+            <a:r>
+              <a:rPr lang="en-US" altLang="ko-KR" dirty="0">
+                <a:solidFill>
+                  <a:schemeClr val="bg1"/>
+                </a:solidFill>
+              </a:rPr>
+              <a:t>2</a:t>
             </a:r>
             <a:r>
               <a:rPr lang="ko-KR" altLang="en-US" dirty="0" err="1" smtClean="0">
@@ -8303,7 +9915,7 @@
         <p:spPr>
           <a:xfrm>
             <a:off x="7308304" y="2358171"/>
-            <a:ext cx="1296144" cy="3960441"/>
+            <a:ext cx="1296144" cy="2655005"/>
           </a:xfrm>
           <a:prstGeom prst="roundRect">
             <a:avLst/>
@@ -8344,7 +9956,7 @@
         <p:spPr>
           <a:xfrm>
             <a:off x="539552" y="2358172"/>
-            <a:ext cx="6624736" cy="3960440"/>
+            <a:ext cx="6624736" cy="2655004"/>
           </a:xfrm>
           <a:prstGeom prst="roundRect">
             <a:avLst>
@@ -8471,7 +10083,7 @@
         <p:spPr>
           <a:xfrm>
             <a:off x="827584" y="2615421"/>
-            <a:ext cx="5197257" cy="3477875"/>
+            <a:ext cx="5197257" cy="2246769"/>
           </a:xfrm>
           <a:prstGeom prst="rect">
             <a:avLst/>
@@ -8523,6 +10135,37 @@
                 <a:latin typeface="한컴 소망 B" panose="02020603020101020101" pitchFamily="18" charset="-127"/>
                 <a:ea typeface="한컴 소망 B" panose="02020603020101020101" pitchFamily="18" charset="-127"/>
               </a:rPr>
+              <a:t>계획 대비 일정은 잘 지켰는가</a:t>
+            </a:r>
+            <a:r>
+              <a:rPr lang="en-US" altLang="ko-KR" sz="2000" dirty="0" smtClean="0">
+                <a:solidFill>
+                  <a:schemeClr val="bg1"/>
+                </a:solidFill>
+                <a:latin typeface="한컴 소망 B" panose="02020603020101020101" pitchFamily="18" charset="-127"/>
+                <a:ea typeface="한컴 소망 B" panose="02020603020101020101" pitchFamily="18" charset="-127"/>
+              </a:rPr>
+              <a:t>?</a:t>
+            </a:r>
+          </a:p>
+          <a:p>
+            <a:endParaRPr lang="en-US" altLang="ko-KR" sz="2000" dirty="0">
+              <a:solidFill>
+                <a:schemeClr val="bg1"/>
+              </a:solidFill>
+              <a:latin typeface="한컴 소망 B" panose="02020603020101020101" pitchFamily="18" charset="-127"/>
+              <a:ea typeface="한컴 소망 B" panose="02020603020101020101" pitchFamily="18" charset="-127"/>
+            </a:endParaRPr>
+          </a:p>
+          <a:p>
+            <a:r>
+              <a:rPr lang="ko-KR" altLang="en-US" sz="2000" dirty="0" smtClean="0">
+                <a:solidFill>
+                  <a:schemeClr val="bg1"/>
+                </a:solidFill>
+                <a:latin typeface="한컴 소망 B" panose="02020603020101020101" pitchFamily="18" charset="-127"/>
+                <a:ea typeface="한컴 소망 B" panose="02020603020101020101" pitchFamily="18" charset="-127"/>
+              </a:rPr>
               <a:t>게임 </a:t>
             </a:r>
             <a:r>
@@ -8533,7 +10176,7 @@
                 <a:latin typeface="한컴 소망 B" panose="02020603020101020101" pitchFamily="18" charset="-127"/>
                 <a:ea typeface="한컴 소망 B" panose="02020603020101020101" pitchFamily="18" charset="-127"/>
               </a:rPr>
-              <a:t>컨셉이</a:t>
+              <a:t>프로토</a:t>
             </a:r>
             <a:r>
               <a:rPr lang="ko-KR" altLang="en-US" sz="2000" dirty="0" smtClean="0">
@@ -8543,7 +10186,7 @@
                 <a:latin typeface="한컴 소망 B" panose="02020603020101020101" pitchFamily="18" charset="-127"/>
                 <a:ea typeface="한컴 소망 B" panose="02020603020101020101" pitchFamily="18" charset="-127"/>
               </a:rPr>
-              <a:t> 잘 표현되었는가</a:t>
+              <a:t> 타입은 실행이 잘 되는가</a:t>
             </a:r>
             <a:r>
               <a:rPr lang="en-US" altLang="ko-KR" sz="2000" dirty="0" smtClean="0">
@@ -8574,27 +10217,7 @@
                 <a:latin typeface="한컴 소망 B" panose="02020603020101020101" pitchFamily="18" charset="-127"/>
                 <a:ea typeface="한컴 소망 B" panose="02020603020101020101" pitchFamily="18" charset="-127"/>
               </a:rPr>
-              <a:t>게임 핵심 </a:t>
-            </a:r>
-            <a:r>
-              <a:rPr lang="ko-KR" altLang="en-US" sz="2000" dirty="0" err="1" smtClean="0">
-                <a:solidFill>
-                  <a:schemeClr val="bg1"/>
-                </a:solidFill>
-                <a:latin typeface="한컴 소망 B" panose="02020603020101020101" pitchFamily="18" charset="-127"/>
-                <a:ea typeface="한컴 소망 B" panose="02020603020101020101" pitchFamily="18" charset="-127"/>
-              </a:rPr>
-              <a:t>메카닉의</a:t>
-            </a:r>
-            <a:r>
-              <a:rPr lang="ko-KR" altLang="en-US" sz="2000" dirty="0" smtClean="0">
-                <a:solidFill>
-                  <a:schemeClr val="bg1"/>
-                </a:solidFill>
-                <a:latin typeface="한컴 소망 B" panose="02020603020101020101" pitchFamily="18" charset="-127"/>
-                <a:ea typeface="한컴 소망 B" panose="02020603020101020101" pitchFamily="18" charset="-127"/>
-              </a:rPr>
-              <a:t> 제시가 잘 되었는가</a:t>
+              <a:t>동영상의 화면과 소리 상태는 양호한가</a:t>
             </a:r>
             <a:r>
               <a:rPr lang="en-US" altLang="ko-KR" sz="2000" dirty="0" smtClean="0">
@@ -8606,120 +10229,7 @@
               </a:rPr>
               <a:t>?</a:t>
             </a:r>
-          </a:p>
-          <a:p>
             <a:endParaRPr lang="en-US" altLang="ko-KR" sz="2000" dirty="0">
-              <a:solidFill>
-                <a:schemeClr val="bg1"/>
-              </a:solidFill>
-              <a:latin typeface="한컴 소망 B" panose="02020603020101020101" pitchFamily="18" charset="-127"/>
-              <a:ea typeface="한컴 소망 B" panose="02020603020101020101" pitchFamily="18" charset="-127"/>
-            </a:endParaRPr>
-          </a:p>
-          <a:p>
-            <a:r>
-              <a:rPr lang="ko-KR" altLang="en-US" sz="2000" dirty="0" smtClean="0">
-                <a:solidFill>
-                  <a:schemeClr val="bg1"/>
-                </a:solidFill>
-                <a:latin typeface="한컴 소망 B" panose="02020603020101020101" pitchFamily="18" charset="-127"/>
-                <a:ea typeface="한컴 소망 B" panose="02020603020101020101" pitchFamily="18" charset="-127"/>
-              </a:rPr>
-              <a:t>게임 실행 흐름이 잘 표현되었는가</a:t>
-            </a:r>
-            <a:r>
-              <a:rPr lang="en-US" altLang="ko-KR" sz="2000" dirty="0" smtClean="0">
-                <a:solidFill>
-                  <a:schemeClr val="bg1"/>
-                </a:solidFill>
-                <a:latin typeface="한컴 소망 B" panose="02020603020101020101" pitchFamily="18" charset="-127"/>
-                <a:ea typeface="한컴 소망 B" panose="02020603020101020101" pitchFamily="18" charset="-127"/>
-              </a:rPr>
-              <a:t>?</a:t>
-            </a:r>
-          </a:p>
-          <a:p>
-            <a:endParaRPr lang="en-US" altLang="ko-KR" sz="2000" dirty="0">
-              <a:solidFill>
-                <a:schemeClr val="bg1"/>
-              </a:solidFill>
-              <a:latin typeface="한컴 소망 B" panose="02020603020101020101" pitchFamily="18" charset="-127"/>
-              <a:ea typeface="한컴 소망 B" panose="02020603020101020101" pitchFamily="18" charset="-127"/>
-            </a:endParaRPr>
-          </a:p>
-          <a:p>
-            <a:r>
-              <a:rPr lang="ko-KR" altLang="en-US" sz="2000" dirty="0" smtClean="0">
-                <a:solidFill>
-                  <a:schemeClr val="bg1"/>
-                </a:solidFill>
-                <a:latin typeface="한컴 소망 B" panose="02020603020101020101" pitchFamily="18" charset="-127"/>
-                <a:ea typeface="한컴 소망 B" panose="02020603020101020101" pitchFamily="18" charset="-127"/>
-              </a:rPr>
-              <a:t>개발 범위가 구체적이며</a:t>
-            </a:r>
-            <a:r>
-              <a:rPr lang="en-US" altLang="ko-KR" sz="2000" dirty="0" smtClean="0">
-                <a:solidFill>
-                  <a:schemeClr val="bg1"/>
-                </a:solidFill>
-                <a:latin typeface="한컴 소망 B" panose="02020603020101020101" pitchFamily="18" charset="-127"/>
-                <a:ea typeface="한컴 소망 B" panose="02020603020101020101" pitchFamily="18" charset="-127"/>
-              </a:rPr>
-              <a:t>, </a:t>
-            </a:r>
-            <a:r>
-              <a:rPr lang="ko-KR" altLang="en-US" sz="2000" dirty="0" smtClean="0">
-                <a:solidFill>
-                  <a:schemeClr val="bg1"/>
-                </a:solidFill>
-                <a:latin typeface="한컴 소망 B" panose="02020603020101020101" pitchFamily="18" charset="-127"/>
-                <a:ea typeface="한컴 소망 B" panose="02020603020101020101" pitchFamily="18" charset="-127"/>
-              </a:rPr>
-              <a:t>측정 가능한가</a:t>
-            </a:r>
-            <a:r>
-              <a:rPr lang="en-US" altLang="ko-KR" sz="2000" dirty="0" smtClean="0">
-                <a:solidFill>
-                  <a:schemeClr val="bg1"/>
-                </a:solidFill>
-                <a:latin typeface="한컴 소망 B" panose="02020603020101020101" pitchFamily="18" charset="-127"/>
-                <a:ea typeface="한컴 소망 B" panose="02020603020101020101" pitchFamily="18" charset="-127"/>
-              </a:rPr>
-              <a:t>?</a:t>
-            </a:r>
-          </a:p>
-          <a:p>
-            <a:endParaRPr lang="en-US" altLang="ko-KR" sz="2000" dirty="0">
-              <a:solidFill>
-                <a:schemeClr val="bg1"/>
-              </a:solidFill>
-              <a:latin typeface="한컴 소망 B" panose="02020603020101020101" pitchFamily="18" charset="-127"/>
-              <a:ea typeface="한컴 소망 B" panose="02020603020101020101" pitchFamily="18" charset="-127"/>
-            </a:endParaRPr>
-          </a:p>
-          <a:p>
-            <a:r>
-              <a:rPr lang="ko-KR" altLang="en-US" sz="2000" dirty="0" smtClean="0">
-                <a:solidFill>
-                  <a:schemeClr val="bg1"/>
-                </a:solidFill>
-                <a:latin typeface="한컴 소망 B" panose="02020603020101020101" pitchFamily="18" charset="-127"/>
-                <a:ea typeface="한컴 소망 B" panose="02020603020101020101" pitchFamily="18" charset="-127"/>
-              </a:rPr>
-              <a:t>개발 계획이 구체적이며 실행 가능한가</a:t>
-            </a:r>
-            <a:r>
-              <a:rPr lang="en-US" altLang="ko-KR" sz="2000" dirty="0" smtClean="0">
-                <a:solidFill>
-                  <a:schemeClr val="bg1"/>
-                </a:solidFill>
-                <a:latin typeface="한컴 소망 B" panose="02020603020101020101" pitchFamily="18" charset="-127"/>
-                <a:ea typeface="한컴 소망 B" panose="02020603020101020101" pitchFamily="18" charset="-127"/>
-              </a:rPr>
-              <a:t>?</a:t>
-            </a:r>
-            <a:endParaRPr lang="ko-KR" altLang="en-US" sz="2000" dirty="0">
               <a:solidFill>
                 <a:schemeClr val="bg1"/>
               </a:solidFill>
@@ -8783,8 +10293,15 @@
                 <a:latin typeface="한컴 소망 B" panose="02020603020101020101" pitchFamily="18" charset="-127"/>
                 <a:ea typeface="한컴 소망 B" panose="02020603020101020101" pitchFamily="18" charset="-127"/>
               </a:rPr>
-              <a:t>A</a:t>
-            </a:r>
+              <a:t>C</a:t>
+            </a:r>
+            <a:endParaRPr lang="en-US" altLang="ko-KR" sz="2000" dirty="0" smtClean="0">
+              <a:solidFill>
+                <a:schemeClr val="bg1"/>
+              </a:solidFill>
+              <a:latin typeface="한컴 소망 B" panose="02020603020101020101" pitchFamily="18" charset="-127"/>
+              <a:ea typeface="한컴 소망 B" panose="02020603020101020101" pitchFamily="18" charset="-127"/>
+            </a:endParaRPr>
           </a:p>
           <a:p>
             <a:pPr algn="ctr"/>
@@ -8822,15 +10339,22 @@
           <a:p>
             <a:pPr algn="ctr"/>
             <a:r>
-              <a:rPr lang="en-US" altLang="ko-KR" sz="2000" dirty="0" smtClean="0">
-                <a:solidFill>
-                  <a:schemeClr val="bg1"/>
-                </a:solidFill>
-                <a:latin typeface="한컴 소망 B" panose="02020603020101020101" pitchFamily="18" charset="-127"/>
-                <a:ea typeface="한컴 소망 B" panose="02020603020101020101" pitchFamily="18" charset="-127"/>
-              </a:rPr>
-              <a:t>C</a:t>
-            </a:r>
+              <a:rPr lang="en-US" altLang="ko-KR" sz="2000" dirty="0">
+                <a:solidFill>
+                  <a:schemeClr val="bg1"/>
+                </a:solidFill>
+                <a:latin typeface="한컴 소망 B" panose="02020603020101020101" pitchFamily="18" charset="-127"/>
+                <a:ea typeface="한컴 소망 B" panose="02020603020101020101" pitchFamily="18" charset="-127"/>
+              </a:rPr>
+              <a:t>A</a:t>
+            </a:r>
+            <a:endParaRPr lang="en-US" altLang="ko-KR" sz="2000" dirty="0" smtClean="0">
+              <a:solidFill>
+                <a:schemeClr val="bg1"/>
+              </a:solidFill>
+              <a:latin typeface="한컴 소망 B" panose="02020603020101020101" pitchFamily="18" charset="-127"/>
+              <a:ea typeface="한컴 소망 B" panose="02020603020101020101" pitchFamily="18" charset="-127"/>
+            </a:endParaRPr>
           </a:p>
           <a:p>
             <a:pPr algn="ctr"/>
@@ -8844,16 +10368,13 @@
           </a:p>
           <a:p>
             <a:pPr algn="ctr"/>
-            <a:r>
-              <a:rPr lang="en-US" altLang="ko-KR" sz="2000" dirty="0" smtClean="0">
-                <a:solidFill>
-                  <a:schemeClr val="bg1"/>
-                </a:solidFill>
-                <a:latin typeface="한컴 소망 B" panose="02020603020101020101" pitchFamily="18" charset="-127"/>
-                <a:ea typeface="한컴 소망 B" panose="02020603020101020101" pitchFamily="18" charset="-127"/>
-              </a:rPr>
-              <a:t>B</a:t>
-            </a:r>
+            <a:endParaRPr lang="en-US" altLang="ko-KR" sz="2000" dirty="0" smtClean="0">
+              <a:solidFill>
+                <a:schemeClr val="bg1"/>
+              </a:solidFill>
+              <a:latin typeface="한컴 소망 B" panose="02020603020101020101" pitchFamily="18" charset="-127"/>
+              <a:ea typeface="한컴 소망 B" panose="02020603020101020101" pitchFamily="18" charset="-127"/>
+            </a:endParaRPr>
           </a:p>
           <a:p>
             <a:pPr algn="ctr"/>
@@ -8867,16 +10388,6 @@
           </a:p>
           <a:p>
             <a:pPr algn="ctr"/>
-            <a:r>
-              <a:rPr lang="en-US" altLang="ko-KR" sz="2000" dirty="0" smtClean="0">
-                <a:solidFill>
-                  <a:schemeClr val="bg1"/>
-                </a:solidFill>
-                <a:latin typeface="한컴 소망 B" panose="02020603020101020101" pitchFamily="18" charset="-127"/>
-                <a:ea typeface="한컴 소망 B" panose="02020603020101020101" pitchFamily="18" charset="-127"/>
-              </a:rPr>
-              <a:t>B</a:t>
-            </a:r>
             <a:endParaRPr lang="ko-KR" altLang="en-US" sz="2000" dirty="0">
               <a:solidFill>
                 <a:schemeClr val="bg1"/>
